--- a/01 知识传递/1-2-1 知识传递 读1本书/02-读1本书-读书笔记撰写模板.pptx
+++ b/01 知识传递/1-2-1 知识传递 读1本书/02-读1本书-读书笔记撰写模板.pptx
@@ -148,6 +148,36 @@
       </a:defRPr>
     </a:lvl9pPr>
   </p:defaultTextStyle>
+  <p:extLst>
+    <p:ext uri="{EFAFB233-063F-42B5-8137-9DF3F51BA10A}">
+      <p15:sldGuideLst xmlns:p15="http://schemas.microsoft.com/office/powerpoint/2012/main">
+        <p15:guide id="1" orient="horz" pos="2160">
+          <p15:clr>
+            <a:srgbClr val="A4A3A4"/>
+          </p15:clr>
+        </p15:guide>
+        <p15:guide id="2" pos="2880">
+          <p15:clr>
+            <a:srgbClr val="A4A3A4"/>
+          </p15:clr>
+        </p15:guide>
+      </p15:sldGuideLst>
+    </p:ext>
+    <p:ext uri="{2D200454-40CA-4A62-9FC3-DE9A4176ACB9}">
+      <p15:notesGuideLst xmlns:p15="http://schemas.microsoft.com/office/powerpoint/2012/main">
+        <p15:guide id="1" orient="horz" pos="2880">
+          <p15:clr>
+            <a:srgbClr val="A4A3A4"/>
+          </p15:clr>
+        </p15:guide>
+        <p15:guide id="2" pos="2160">
+          <p15:clr>
+            <a:srgbClr val="A4A3A4"/>
+          </p15:clr>
+        </p15:guide>
+      </p15:notesGuideLst>
+    </p:ext>
+  </p:extLst>
 </p:presentation>
 </file>
 
@@ -260,7 +290,7 @@
               <a:pPr>
                 <a:defRPr/>
               </a:pPr>
-              <a:t>2017/4/14</a:t>
+              <a:t>2018/6/4</a:t>
             </a:fld>
             <a:endParaRPr lang="zh-CN" altLang="en-US"/>
           </a:p>
@@ -461,7 +491,7 @@
               <a:pPr>
                 <a:defRPr/>
               </a:pPr>
-              <a:t>2017/4/14</a:t>
+              <a:t>2018/6/4</a:t>
             </a:fld>
             <a:endParaRPr lang="zh-CN" altLang="en-US"/>
           </a:p>
@@ -936,7 +966,7 @@
                 </a:solidFill>
               </a:rPr>
               <a:pPr/>
-              <a:t>2017/4/14</a:t>
+              <a:t>2018/6/4</a:t>
             </a:fld>
             <a:endParaRPr lang="zh-CN" altLang="en-US">
               <a:solidFill>
@@ -1356,7 +1386,7 @@
                 </a:solidFill>
               </a:rPr>
               <a:pPr/>
-              <a:t>2017/4/14</a:t>
+              <a:t>2018/6/4</a:t>
             </a:fld>
             <a:endParaRPr lang="zh-CN" altLang="en-US">
               <a:solidFill>
@@ -1535,7 +1565,7 @@
                 </a:solidFill>
               </a:rPr>
               <a:pPr/>
-              <a:t>2017/4/14</a:t>
+              <a:t>2018/6/4</a:t>
             </a:fld>
             <a:endParaRPr lang="zh-CN" altLang="en-US">
               <a:solidFill>
@@ -1865,7 +1895,7 @@
                 </a:solidFill>
               </a:rPr>
               <a:pPr/>
-              <a:t>2017/4/14</a:t>
+              <a:t>2018/6/4</a:t>
             </a:fld>
             <a:endParaRPr lang="zh-CN" altLang="en-US">
               <a:solidFill>
@@ -2175,7 +2205,7 @@
                 </a:solidFill>
               </a:rPr>
               <a:pPr/>
-              <a:t>2017/4/14</a:t>
+              <a:t>2018/6/4</a:t>
             </a:fld>
             <a:endParaRPr lang="zh-CN" altLang="en-US">
               <a:solidFill>
@@ -2406,7 +2436,7 @@
                 </a:solidFill>
               </a:rPr>
               <a:pPr/>
-              <a:t>2017/4/14</a:t>
+              <a:t>2018/6/4</a:t>
             </a:fld>
             <a:endParaRPr lang="zh-CN" altLang="en-US">
               <a:solidFill>
@@ -2639,7 +2669,7 @@
                 </a:solidFill>
               </a:rPr>
               <a:pPr/>
-              <a:t>2017/4/14</a:t>
+              <a:t>2018/6/4</a:t>
             </a:fld>
             <a:endParaRPr lang="zh-CN" altLang="en-US">
               <a:solidFill>
@@ -2787,7 +2817,7 @@
                 </a:solidFill>
               </a:rPr>
               <a:pPr/>
-              <a:t>2017/4/14</a:t>
+              <a:t>2018/6/4</a:t>
             </a:fld>
             <a:endParaRPr lang="zh-CN" altLang="en-US">
               <a:solidFill>
@@ -3060,7 +3090,7 @@
                 </a:solidFill>
               </a:rPr>
               <a:pPr/>
-              <a:t>2017/4/14</a:t>
+              <a:t>2018/6/4</a:t>
             </a:fld>
             <a:endParaRPr lang="zh-CN" altLang="en-US">
               <a:solidFill>
@@ -3347,7 +3377,7 @@
                 </a:solidFill>
               </a:rPr>
               <a:pPr/>
-              <a:t>2017/4/14</a:t>
+              <a:t>2018/6/4</a:t>
             </a:fld>
             <a:endParaRPr lang="zh-CN" altLang="en-US">
               <a:solidFill>
@@ -3614,7 +3644,7 @@
                 </a:solidFill>
               </a:rPr>
               <a:pPr/>
-              <a:t>2017/4/14</a:t>
+              <a:t>2018/6/4</a:t>
             </a:fld>
             <a:endParaRPr lang="zh-CN" altLang="en-US">
               <a:solidFill>
@@ -3859,7 +3889,7 @@
               <a:pPr>
                 <a:defRPr/>
               </a:pPr>
-              <a:t>4/14/2017</a:t>
+              <a:t>6/4/2018</a:t>
             </a:fld>
             <a:endParaRPr lang="en-US" altLang="zh-CN"/>
           </a:p>
@@ -4021,7 +4051,7 @@
                 </a:solidFill>
               </a:rPr>
               <a:pPr/>
-              <a:t>2017/4/14</a:t>
+              <a:t>2018/6/4</a:t>
             </a:fld>
             <a:endParaRPr lang="zh-CN" altLang="en-US">
               <a:solidFill>
@@ -4377,7 +4407,7 @@
                 </a:solidFill>
               </a:rPr>
               <a:pPr/>
-              <a:t>2017/4/14</a:t>
+              <a:t>2018/6/4</a:t>
             </a:fld>
             <a:endParaRPr lang="zh-CN" altLang="en-US">
               <a:solidFill>
@@ -4670,7 +4700,7 @@
                 </a:solidFill>
               </a:rPr>
               <a:pPr/>
-              <a:t>2017/4/14</a:t>
+              <a:t>2018/6/4</a:t>
             </a:fld>
             <a:endParaRPr lang="zh-CN" altLang="en-US">
               <a:solidFill>
@@ -5090,7 +5120,7 @@
                 </a:solidFill>
               </a:rPr>
               <a:pPr/>
-              <a:t>2017/4/14</a:t>
+              <a:t>2018/6/4</a:t>
             </a:fld>
             <a:endParaRPr lang="zh-CN" altLang="en-US">
               <a:solidFill>
@@ -5269,7 +5299,7 @@
                 </a:solidFill>
               </a:rPr>
               <a:pPr/>
-              <a:t>2017/4/14</a:t>
+              <a:t>2018/6/4</a:t>
             </a:fld>
             <a:endParaRPr lang="zh-CN" altLang="en-US">
               <a:solidFill>
@@ -5431,7 +5461,7 @@
                 </a:solidFill>
               </a:rPr>
               <a:pPr/>
-              <a:t>2017/4/14</a:t>
+              <a:t>2018/6/4</a:t>
             </a:fld>
             <a:endParaRPr lang="zh-CN" altLang="en-US">
               <a:solidFill>
@@ -5761,7 +5791,7 @@
                 </a:solidFill>
               </a:rPr>
               <a:pPr/>
-              <a:t>2017/4/14</a:t>
+              <a:t>2018/6/4</a:t>
             </a:fld>
             <a:endParaRPr lang="zh-CN" altLang="en-US">
               <a:solidFill>
@@ -6071,7 +6101,7 @@
                 </a:solidFill>
               </a:rPr>
               <a:pPr/>
-              <a:t>2017/4/14</a:t>
+              <a:t>2018/6/4</a:t>
             </a:fld>
             <a:endParaRPr lang="zh-CN" altLang="en-US">
               <a:solidFill>
@@ -6302,7 +6332,7 @@
                 </a:solidFill>
               </a:rPr>
               <a:pPr/>
-              <a:t>2017/4/14</a:t>
+              <a:t>2018/6/4</a:t>
             </a:fld>
             <a:endParaRPr lang="zh-CN" altLang="en-US">
               <a:solidFill>
@@ -6535,7 +6565,7 @@
                 </a:solidFill>
               </a:rPr>
               <a:pPr/>
-              <a:t>2017/4/14</a:t>
+              <a:t>2018/6/4</a:t>
             </a:fld>
             <a:endParaRPr lang="zh-CN" altLang="en-US">
               <a:solidFill>
@@ -6741,7 +6771,7 @@
                 </a:solidFill>
               </a:rPr>
               <a:pPr/>
-              <a:t>2017/4/14</a:t>
+              <a:t>2018/6/4</a:t>
             </a:fld>
             <a:endParaRPr lang="zh-CN" altLang="en-US">
               <a:solidFill>
@@ -7014,7 +7044,7 @@
                 </a:solidFill>
               </a:rPr>
               <a:pPr/>
-              <a:t>2017/4/14</a:t>
+              <a:t>2018/6/4</a:t>
             </a:fld>
             <a:endParaRPr lang="zh-CN" altLang="en-US">
               <a:solidFill>
@@ -7333,7 +7363,7 @@
               <a:pPr>
                 <a:defRPr/>
               </a:pPr>
-              <a:t>4/14/2017</a:t>
+              <a:t>6/4/2018</a:t>
             </a:fld>
             <a:endParaRPr lang="en-US" altLang="zh-CN"/>
           </a:p>
@@ -7600,7 +7630,7 @@
                 </a:solidFill>
               </a:rPr>
               <a:pPr/>
-              <a:t>2017/4/14</a:t>
+              <a:t>2018/6/4</a:t>
             </a:fld>
             <a:endParaRPr lang="zh-CN" altLang="en-US">
               <a:solidFill>
@@ -7762,7 +7792,7 @@
                 </a:solidFill>
               </a:rPr>
               <a:pPr/>
-              <a:t>2017/4/14</a:t>
+              <a:t>2018/6/4</a:t>
             </a:fld>
             <a:endParaRPr lang="zh-CN" altLang="en-US">
               <a:solidFill>
@@ -8049,7 +8079,7 @@
                 </a:solidFill>
               </a:rPr>
               <a:pPr/>
-              <a:t>2017/4/14</a:t>
+              <a:t>2018/6/4</a:t>
             </a:fld>
             <a:endParaRPr lang="zh-CN" altLang="en-US">
               <a:solidFill>
@@ -8405,7 +8435,7 @@
                 </a:solidFill>
               </a:rPr>
               <a:pPr/>
-              <a:t>2017/4/14</a:t>
+              <a:t>2018/6/4</a:t>
             </a:fld>
             <a:endParaRPr lang="zh-CN" altLang="en-US">
               <a:solidFill>
@@ -8698,7 +8728,7 @@
                 </a:solidFill>
               </a:rPr>
               <a:pPr/>
-              <a:t>2017/4/14</a:t>
+              <a:t>2018/6/4</a:t>
             </a:fld>
             <a:endParaRPr lang="zh-CN" altLang="en-US">
               <a:solidFill>
@@ -8972,7 +9002,7 @@
                   <a:spcPts val="0"/>
                 </a:spcAft>
               </a:pPr>
-              <a:t>2017/4/14</a:t>
+              <a:t>2018/6/4</a:t>
             </a:fld>
             <a:endParaRPr lang="zh-CN" altLang="en-US">
               <a:solidFill>
@@ -9561,7 +9591,7 @@
                   <a:spcPts val="0"/>
                 </a:spcAft>
               </a:pPr>
-              <a:t>2017/4/14</a:t>
+              <a:t>2018/6/4</a:t>
             </a:fld>
             <a:endParaRPr lang="zh-CN" altLang="en-US">
               <a:solidFill>
@@ -10160,7 +10190,7 @@
                   <a:spcPts val="0"/>
                 </a:spcAft>
               </a:pPr>
-              <a:t>2017/4/14</a:t>
+              <a:t>2018/6/4</a:t>
             </a:fld>
             <a:endParaRPr lang="zh-CN" altLang="en-US">
               <a:solidFill>
@@ -10611,7 +10641,7 @@
         <p:spPr>
           <a:xfrm>
             <a:off x="1439896" y="2405355"/>
-            <a:ext cx="6045245" cy="830997"/>
+            <a:ext cx="6340197" cy="830997"/>
           </a:xfrm>
           <a:prstGeom prst="rect">
             <a:avLst/>
@@ -10647,16 +10677,6 @@
               </a:spcAft>
             </a:pPr>
             <a:r>
-              <a:rPr lang="en-US" altLang="zh-CN" sz="4800" b="1" dirty="0">
-                <a:solidFill>
-                  <a:schemeClr val="bg1"/>
-                </a:solidFill>
-                <a:latin typeface="微软雅黑" panose="020B0503020204020204" pitchFamily="34" charset="-122"/>
-                <a:ea typeface="微软雅黑" panose="020B0503020204020204" pitchFamily="34" charset="-122"/>
-              </a:rPr>
-              <a:t>《××》</a:t>
-            </a:r>
-            <a:r>
               <a:rPr lang="zh-CN" altLang="en-US" sz="4800" b="1" dirty="0">
                 <a:solidFill>
                   <a:schemeClr val="bg1"/>
@@ -10664,7 +10684,17 @@
                 <a:latin typeface="微软雅黑" panose="020B0503020204020204" pitchFamily="34" charset="-122"/>
                 <a:ea typeface="微软雅黑" panose="020B0503020204020204" pitchFamily="34" charset="-122"/>
               </a:rPr>
-              <a:t>书籍读书笔记</a:t>
+              <a:t>代码整洁之道读书</a:t>
+            </a:r>
+            <a:r>
+              <a:rPr lang="zh-CN" altLang="en-US" sz="4800" b="1" dirty="0">
+                <a:solidFill>
+                  <a:schemeClr val="bg1"/>
+                </a:solidFill>
+                <a:latin typeface="微软雅黑" panose="020B0503020204020204" pitchFamily="34" charset="-122"/>
+                <a:ea typeface="微软雅黑" panose="020B0503020204020204" pitchFamily="34" charset="-122"/>
+              </a:rPr>
+              <a:t>笔记</a:t>
             </a:r>
             <a:endParaRPr lang="zh-CN" altLang="en-US" sz="4800" b="1" cap="all" dirty="0">
               <a:ln>
@@ -10726,7 +10756,17 @@
                 <a:latin typeface="微软雅黑" panose="020B0503020204020204" pitchFamily="34" charset="-122"/>
                 <a:ea typeface="微软雅黑" panose="020B0503020204020204" pitchFamily="34" charset="-122"/>
               </a:rPr>
-              <a:t>姓名：</a:t>
+              <a:t>姓名</a:t>
+            </a:r>
+            <a:r>
+              <a:rPr lang="zh-CN" altLang="en-US" sz="2800" dirty="0" smtClean="0">
+                <a:solidFill>
+                  <a:schemeClr val="bg1"/>
+                </a:solidFill>
+                <a:latin typeface="微软雅黑" panose="020B0503020204020204" pitchFamily="34" charset="-122"/>
+                <a:ea typeface="微软雅黑" panose="020B0503020204020204" pitchFamily="34" charset="-122"/>
+              </a:rPr>
+              <a:t>：周嘉俊</a:t>
             </a:r>
             <a:endParaRPr lang="zh-CN" altLang="en-US" sz="2800" dirty="0">
               <a:solidFill>
@@ -11027,21 +11067,18 @@
                 <a:latin typeface="微软雅黑" pitchFamily="34" charset="-122"/>
                 <a:ea typeface="微软雅黑" pitchFamily="34" charset="-122"/>
               </a:rPr>
-              <a:t>主要内容</a:t>
-            </a:r>
-            <a:r>
-              <a:rPr lang="en-US" altLang="zh-CN" sz="3200" b="1" dirty="0" smtClean="0">
-                <a:solidFill>
-                  <a:srgbClr val="1C1C1C"/>
-                </a:solidFill>
-                <a:latin typeface="微软雅黑" pitchFamily="34" charset="-122"/>
-                <a:ea typeface="微软雅黑" pitchFamily="34" charset="-122"/>
-              </a:rPr>
-              <a:t>1</a:t>
-            </a:r>
-          </a:p>
-          <a:p>
-            <a:pPr marL="438150" indent="-438150">
+              <a:t>函数的原则</a:t>
+            </a:r>
+            <a:endParaRPr lang="en-US" altLang="zh-CN" sz="3200" b="1" dirty="0" smtClean="0">
+              <a:solidFill>
+                <a:srgbClr val="1C1C1C"/>
+              </a:solidFill>
+              <a:latin typeface="微软雅黑" pitchFamily="34" charset="-122"/>
+              <a:ea typeface="微软雅黑" pitchFamily="34" charset="-122"/>
+            </a:endParaRPr>
+          </a:p>
+          <a:p>
+            <a:pPr marL="438150" indent="-438150" algn="l" eaLnBrk="1" hangingPunct="1">
               <a:lnSpc>
                 <a:spcPct val="150000"/>
               </a:lnSpc>
@@ -11066,21 +11103,18 @@
                 <a:latin typeface="微软雅黑" pitchFamily="34" charset="-122"/>
                 <a:ea typeface="微软雅黑" pitchFamily="34" charset="-122"/>
               </a:rPr>
-              <a:t>主要内容</a:t>
-            </a:r>
-            <a:r>
-              <a:rPr lang="en-US" altLang="zh-CN" sz="3200" b="1" dirty="0" smtClean="0">
-                <a:solidFill>
-                  <a:srgbClr val="1C1C1C"/>
-                </a:solidFill>
-                <a:latin typeface="微软雅黑" pitchFamily="34" charset="-122"/>
-                <a:ea typeface="微软雅黑" pitchFamily="34" charset="-122"/>
-              </a:rPr>
-              <a:t>2</a:t>
-            </a:r>
-          </a:p>
-          <a:p>
-            <a:pPr marL="438150" indent="-438150">
+              <a:t>类的组织</a:t>
+            </a:r>
+            <a:endParaRPr lang="en-US" altLang="zh-CN" sz="3200" b="1" dirty="0" smtClean="0">
+              <a:solidFill>
+                <a:srgbClr val="1C1C1C"/>
+              </a:solidFill>
+              <a:latin typeface="微软雅黑" pitchFamily="34" charset="-122"/>
+              <a:ea typeface="微软雅黑" pitchFamily="34" charset="-122"/>
+            </a:endParaRPr>
+          </a:p>
+          <a:p>
+            <a:pPr marL="438150" indent="-438150" algn="l" eaLnBrk="1" hangingPunct="1">
               <a:lnSpc>
                 <a:spcPct val="150000"/>
               </a:lnSpc>
@@ -11105,7 +11139,7 @@
                 <a:latin typeface="微软雅黑" pitchFamily="34" charset="-122"/>
                 <a:ea typeface="微软雅黑" pitchFamily="34" charset="-122"/>
               </a:rPr>
-              <a:t>。。。</a:t>
+              <a:t>并发编程</a:t>
             </a:r>
             <a:endParaRPr lang="en-US" altLang="zh-CN" sz="3200" b="1" dirty="0" smtClean="0">
               <a:solidFill>
@@ -11116,7 +11150,7 @@
             </a:endParaRPr>
           </a:p>
           <a:p>
-            <a:pPr marL="438150" indent="-438150">
+            <a:pPr marL="438150" indent="-438150" algn="l" eaLnBrk="1" hangingPunct="1">
               <a:lnSpc>
                 <a:spcPct val="150000"/>
               </a:lnSpc>
@@ -11141,7 +11175,17 @@
                 <a:latin typeface="微软雅黑" pitchFamily="34" charset="-122"/>
                 <a:ea typeface="微软雅黑" pitchFamily="34" charset="-122"/>
               </a:rPr>
-              <a:t>主要收获</a:t>
+              <a:t>主要</a:t>
+            </a:r>
+            <a:r>
+              <a:rPr lang="zh-CN" altLang="en-US" sz="3200" b="1" dirty="0" smtClean="0">
+                <a:solidFill>
+                  <a:srgbClr val="1C1C1C"/>
+                </a:solidFill>
+                <a:latin typeface="微软雅黑" pitchFamily="34" charset="-122"/>
+                <a:ea typeface="微软雅黑" pitchFamily="34" charset="-122"/>
+              </a:rPr>
+              <a:t>收获</a:t>
             </a:r>
             <a:endParaRPr lang="en-US" altLang="zh-CN" sz="3200" b="1" dirty="0" smtClean="0">
               <a:solidFill>
@@ -11262,6 +11306,43 @@
           <a:bodyPr/>
           <a:lstStyle/>
           <a:p>
+            <a:r>
+              <a:rPr lang="zh-CN" altLang="en-US" dirty="0" smtClean="0"/>
+              <a:t>函数的原则</a:t>
+            </a:r>
+            <a:endParaRPr lang="en-US" altLang="zh-CN" dirty="0" smtClean="0"/>
+          </a:p>
+          <a:p>
+            <a:r>
+              <a:rPr lang="en-US" altLang="zh-CN" dirty="0" smtClean="0"/>
+              <a:t>1.</a:t>
+            </a:r>
+            <a:r>
+              <a:rPr lang="zh-CN" altLang="en-US" dirty="0" smtClean="0"/>
+              <a:t>短小</a:t>
+            </a:r>
+            <a:endParaRPr lang="en-US" altLang="zh-CN" dirty="0" smtClean="0"/>
+          </a:p>
+          <a:p>
+            <a:r>
+              <a:rPr lang="en-US" altLang="zh-CN" dirty="0" smtClean="0"/>
+              <a:t>2.</a:t>
+            </a:r>
+            <a:r>
+              <a:rPr lang="zh-CN" altLang="en-US" dirty="0" smtClean="0"/>
+              <a:t>只做一件事</a:t>
+            </a:r>
+            <a:endParaRPr lang="en-US" altLang="zh-CN" dirty="0" smtClean="0"/>
+          </a:p>
+          <a:p>
+            <a:r>
+              <a:rPr lang="en-US" altLang="zh-CN" dirty="0" smtClean="0"/>
+              <a:t>3.</a:t>
+            </a:r>
+            <a:r>
+              <a:rPr lang="zh-CN" altLang="en-US" smtClean="0"/>
+              <a:t>要学会抽离</a:t>
+            </a:r>
             <a:endParaRPr lang="zh-CN" altLang="en-US" dirty="0"/>
           </a:p>
         </p:txBody>
@@ -11934,7 +12015,7 @@
   <a:extraClrSchemeLst/>
   <a:extLst>
     <a:ext uri="{05A4C25C-085E-4340-85A3-A5531E510DB2}">
-      <thm15:themeFamily xmlns="" xmlns:thm15="http://schemas.microsoft.com/office/thememl/2012/main" name="版本2YNETv1.0宽屏模板" id="{CEAAD27F-C6D6-47EB-BC91-D96DFC053293}" vid="{7B876B72-C94D-47DD-A583-68C6572C1C27}"/>
+      <thm15:themeFamily xmlns:thm15="http://schemas.microsoft.com/office/thememl/2012/main" name="版本2YNETv1.0宽屏模板" id="{CEAAD27F-C6D6-47EB-BC91-D96DFC053293}" vid="{7B876B72-C94D-47DD-A583-68C6572C1C27}"/>
     </a:ext>
   </a:extLst>
 </a:theme>
@@ -12195,7 +12276,7 @@
   <a:extraClrSchemeLst/>
   <a:extLst>
     <a:ext uri="{05A4C25C-085E-4340-85A3-A5531E510DB2}">
-      <thm15:themeFamily xmlns="" xmlns:thm15="http://schemas.microsoft.com/office/thememl/2012/main" name="版本2YNETv1.0宽屏模板" id="{CEAAD27F-C6D6-47EB-BC91-D96DFC053293}" vid="{7B876B72-C94D-47DD-A583-68C6572C1C27}"/>
+      <thm15:themeFamily xmlns:thm15="http://schemas.microsoft.com/office/thememl/2012/main" name="版本2YNETv1.0宽屏模板" id="{CEAAD27F-C6D6-47EB-BC91-D96DFC053293}" vid="{7B876B72-C94D-47DD-A583-68C6572C1C27}"/>
     </a:ext>
   </a:extLst>
 </a:theme>
@@ -12456,7 +12537,7 @@
   <a:extraClrSchemeLst/>
   <a:extLst>
     <a:ext uri="{05A4C25C-085E-4340-85A3-A5531E510DB2}">
-      <thm15:themeFamily xmlns="" xmlns:thm15="http://schemas.microsoft.com/office/thememl/2012/main" name="Office Theme" id="{62F939B6-93AF-4DB8-9C6B-D6C7DFDC589F}" vid="{4A3C46E8-61CC-4603-A589-7422A47A8E4A}"/>
+      <thm15:themeFamily xmlns:thm15="http://schemas.microsoft.com/office/thememl/2012/main" name="Office Theme" id="{62F939B6-93AF-4DB8-9C6B-D6C7DFDC589F}" vid="{4A3C46E8-61CC-4603-A589-7422A47A8E4A}"/>
     </a:ext>
   </a:extLst>
 </a:theme>

--- a/01 知识传递/1-2-1 知识传递 读1本书/02-读1本书-读书笔记撰写模板.pptx
+++ b/01 知识传递/1-2-1 知识传递 读1本书/02-读1本书-读书笔记撰写模板.pptx
@@ -290,7 +290,7 @@
               <a:pPr>
                 <a:defRPr/>
               </a:pPr>
-              <a:t>2018/6/4</a:t>
+              <a:t>2018/6/10</a:t>
             </a:fld>
             <a:endParaRPr lang="zh-CN" altLang="en-US"/>
           </a:p>
@@ -491,7 +491,7 @@
               <a:pPr>
                 <a:defRPr/>
               </a:pPr>
-              <a:t>2018/6/4</a:t>
+              <a:t>2018/6/10</a:t>
             </a:fld>
             <a:endParaRPr lang="zh-CN" altLang="en-US"/>
           </a:p>
@@ -966,7 +966,7 @@
                 </a:solidFill>
               </a:rPr>
               <a:pPr/>
-              <a:t>2018/6/4</a:t>
+              <a:t>2018/6/10</a:t>
             </a:fld>
             <a:endParaRPr lang="zh-CN" altLang="en-US">
               <a:solidFill>
@@ -1386,7 +1386,7 @@
                 </a:solidFill>
               </a:rPr>
               <a:pPr/>
-              <a:t>2018/6/4</a:t>
+              <a:t>2018/6/10</a:t>
             </a:fld>
             <a:endParaRPr lang="zh-CN" altLang="en-US">
               <a:solidFill>
@@ -1565,7 +1565,7 @@
                 </a:solidFill>
               </a:rPr>
               <a:pPr/>
-              <a:t>2018/6/4</a:t>
+              <a:t>2018/6/10</a:t>
             </a:fld>
             <a:endParaRPr lang="zh-CN" altLang="en-US">
               <a:solidFill>
@@ -1895,7 +1895,7 @@
                 </a:solidFill>
               </a:rPr>
               <a:pPr/>
-              <a:t>2018/6/4</a:t>
+              <a:t>2018/6/10</a:t>
             </a:fld>
             <a:endParaRPr lang="zh-CN" altLang="en-US">
               <a:solidFill>
@@ -2205,7 +2205,7 @@
                 </a:solidFill>
               </a:rPr>
               <a:pPr/>
-              <a:t>2018/6/4</a:t>
+              <a:t>2018/6/10</a:t>
             </a:fld>
             <a:endParaRPr lang="zh-CN" altLang="en-US">
               <a:solidFill>
@@ -2436,7 +2436,7 @@
                 </a:solidFill>
               </a:rPr>
               <a:pPr/>
-              <a:t>2018/6/4</a:t>
+              <a:t>2018/6/10</a:t>
             </a:fld>
             <a:endParaRPr lang="zh-CN" altLang="en-US">
               <a:solidFill>
@@ -2669,7 +2669,7 @@
                 </a:solidFill>
               </a:rPr>
               <a:pPr/>
-              <a:t>2018/6/4</a:t>
+              <a:t>2018/6/10</a:t>
             </a:fld>
             <a:endParaRPr lang="zh-CN" altLang="en-US">
               <a:solidFill>
@@ -2817,7 +2817,7 @@
                 </a:solidFill>
               </a:rPr>
               <a:pPr/>
-              <a:t>2018/6/4</a:t>
+              <a:t>2018/6/10</a:t>
             </a:fld>
             <a:endParaRPr lang="zh-CN" altLang="en-US">
               <a:solidFill>
@@ -3090,7 +3090,7 @@
                 </a:solidFill>
               </a:rPr>
               <a:pPr/>
-              <a:t>2018/6/4</a:t>
+              <a:t>2018/6/10</a:t>
             </a:fld>
             <a:endParaRPr lang="zh-CN" altLang="en-US">
               <a:solidFill>
@@ -3377,7 +3377,7 @@
                 </a:solidFill>
               </a:rPr>
               <a:pPr/>
-              <a:t>2018/6/4</a:t>
+              <a:t>2018/6/10</a:t>
             </a:fld>
             <a:endParaRPr lang="zh-CN" altLang="en-US">
               <a:solidFill>
@@ -3644,7 +3644,7 @@
                 </a:solidFill>
               </a:rPr>
               <a:pPr/>
-              <a:t>2018/6/4</a:t>
+              <a:t>2018/6/10</a:t>
             </a:fld>
             <a:endParaRPr lang="zh-CN" altLang="en-US">
               <a:solidFill>
@@ -3889,7 +3889,7 @@
               <a:pPr>
                 <a:defRPr/>
               </a:pPr>
-              <a:t>6/4/2018</a:t>
+              <a:t>6/10/2018</a:t>
             </a:fld>
             <a:endParaRPr lang="en-US" altLang="zh-CN"/>
           </a:p>
@@ -4051,7 +4051,7 @@
                 </a:solidFill>
               </a:rPr>
               <a:pPr/>
-              <a:t>2018/6/4</a:t>
+              <a:t>2018/6/10</a:t>
             </a:fld>
             <a:endParaRPr lang="zh-CN" altLang="en-US">
               <a:solidFill>
@@ -4407,7 +4407,7 @@
                 </a:solidFill>
               </a:rPr>
               <a:pPr/>
-              <a:t>2018/6/4</a:t>
+              <a:t>2018/6/10</a:t>
             </a:fld>
             <a:endParaRPr lang="zh-CN" altLang="en-US">
               <a:solidFill>
@@ -4700,7 +4700,7 @@
                 </a:solidFill>
               </a:rPr>
               <a:pPr/>
-              <a:t>2018/6/4</a:t>
+              <a:t>2018/6/10</a:t>
             </a:fld>
             <a:endParaRPr lang="zh-CN" altLang="en-US">
               <a:solidFill>
@@ -5120,7 +5120,7 @@
                 </a:solidFill>
               </a:rPr>
               <a:pPr/>
-              <a:t>2018/6/4</a:t>
+              <a:t>2018/6/10</a:t>
             </a:fld>
             <a:endParaRPr lang="zh-CN" altLang="en-US">
               <a:solidFill>
@@ -5299,7 +5299,7 @@
                 </a:solidFill>
               </a:rPr>
               <a:pPr/>
-              <a:t>2018/6/4</a:t>
+              <a:t>2018/6/10</a:t>
             </a:fld>
             <a:endParaRPr lang="zh-CN" altLang="en-US">
               <a:solidFill>
@@ -5461,7 +5461,7 @@
                 </a:solidFill>
               </a:rPr>
               <a:pPr/>
-              <a:t>2018/6/4</a:t>
+              <a:t>2018/6/10</a:t>
             </a:fld>
             <a:endParaRPr lang="zh-CN" altLang="en-US">
               <a:solidFill>
@@ -5791,7 +5791,7 @@
                 </a:solidFill>
               </a:rPr>
               <a:pPr/>
-              <a:t>2018/6/4</a:t>
+              <a:t>2018/6/10</a:t>
             </a:fld>
             <a:endParaRPr lang="zh-CN" altLang="en-US">
               <a:solidFill>
@@ -6101,7 +6101,7 @@
                 </a:solidFill>
               </a:rPr>
               <a:pPr/>
-              <a:t>2018/6/4</a:t>
+              <a:t>2018/6/10</a:t>
             </a:fld>
             <a:endParaRPr lang="zh-CN" altLang="en-US">
               <a:solidFill>
@@ -6332,7 +6332,7 @@
                 </a:solidFill>
               </a:rPr>
               <a:pPr/>
-              <a:t>2018/6/4</a:t>
+              <a:t>2018/6/10</a:t>
             </a:fld>
             <a:endParaRPr lang="zh-CN" altLang="en-US">
               <a:solidFill>
@@ -6565,7 +6565,7 @@
                 </a:solidFill>
               </a:rPr>
               <a:pPr/>
-              <a:t>2018/6/4</a:t>
+              <a:t>2018/6/10</a:t>
             </a:fld>
             <a:endParaRPr lang="zh-CN" altLang="en-US">
               <a:solidFill>
@@ -6771,7 +6771,7 @@
                 </a:solidFill>
               </a:rPr>
               <a:pPr/>
-              <a:t>2018/6/4</a:t>
+              <a:t>2018/6/10</a:t>
             </a:fld>
             <a:endParaRPr lang="zh-CN" altLang="en-US">
               <a:solidFill>
@@ -7044,7 +7044,7 @@
                 </a:solidFill>
               </a:rPr>
               <a:pPr/>
-              <a:t>2018/6/4</a:t>
+              <a:t>2018/6/10</a:t>
             </a:fld>
             <a:endParaRPr lang="zh-CN" altLang="en-US">
               <a:solidFill>
@@ -7363,7 +7363,7 @@
               <a:pPr>
                 <a:defRPr/>
               </a:pPr>
-              <a:t>6/4/2018</a:t>
+              <a:t>6/10/2018</a:t>
             </a:fld>
             <a:endParaRPr lang="en-US" altLang="zh-CN"/>
           </a:p>
@@ -7630,7 +7630,7 @@
                 </a:solidFill>
               </a:rPr>
               <a:pPr/>
-              <a:t>2018/6/4</a:t>
+              <a:t>2018/6/10</a:t>
             </a:fld>
             <a:endParaRPr lang="zh-CN" altLang="en-US">
               <a:solidFill>
@@ -7792,7 +7792,7 @@
                 </a:solidFill>
               </a:rPr>
               <a:pPr/>
-              <a:t>2018/6/4</a:t>
+              <a:t>2018/6/10</a:t>
             </a:fld>
             <a:endParaRPr lang="zh-CN" altLang="en-US">
               <a:solidFill>
@@ -8079,7 +8079,7 @@
                 </a:solidFill>
               </a:rPr>
               <a:pPr/>
-              <a:t>2018/6/4</a:t>
+              <a:t>2018/6/10</a:t>
             </a:fld>
             <a:endParaRPr lang="zh-CN" altLang="en-US">
               <a:solidFill>
@@ -8435,7 +8435,7 @@
                 </a:solidFill>
               </a:rPr>
               <a:pPr/>
-              <a:t>2018/6/4</a:t>
+              <a:t>2018/6/10</a:t>
             </a:fld>
             <a:endParaRPr lang="zh-CN" altLang="en-US">
               <a:solidFill>
@@ -8728,7 +8728,7 @@
                 </a:solidFill>
               </a:rPr>
               <a:pPr/>
-              <a:t>2018/6/4</a:t>
+              <a:t>2018/6/10</a:t>
             </a:fld>
             <a:endParaRPr lang="zh-CN" altLang="en-US">
               <a:solidFill>
@@ -9002,7 +9002,7 @@
                   <a:spcPts val="0"/>
                 </a:spcAft>
               </a:pPr>
-              <a:t>2018/6/4</a:t>
+              <a:t>2018/6/10</a:t>
             </a:fld>
             <a:endParaRPr lang="zh-CN" altLang="en-US">
               <a:solidFill>
@@ -9591,7 +9591,7 @@
                   <a:spcPts val="0"/>
                 </a:spcAft>
               </a:pPr>
-              <a:t>2018/6/4</a:t>
+              <a:t>2018/6/10</a:t>
             </a:fld>
             <a:endParaRPr lang="zh-CN" altLang="en-US">
               <a:solidFill>
@@ -10190,7 +10190,7 @@
                   <a:spcPts val="0"/>
                 </a:spcAft>
               </a:pPr>
-              <a:t>2018/6/4</a:t>
+              <a:t>2018/6/10</a:t>
             </a:fld>
             <a:endParaRPr lang="zh-CN" altLang="en-US">
               <a:solidFill>
@@ -10641,7 +10641,7 @@
         <p:spPr>
           <a:xfrm>
             <a:off x="1439896" y="2405355"/>
-            <a:ext cx="6340197" cy="830997"/>
+            <a:ext cx="6955750" cy="830997"/>
           </a:xfrm>
           <a:prstGeom prst="rect">
             <a:avLst/>
@@ -10684,7 +10684,17 @@
                 <a:latin typeface="微软雅黑" panose="020B0503020204020204" pitchFamily="34" charset="-122"/>
                 <a:ea typeface="微软雅黑" panose="020B0503020204020204" pitchFamily="34" charset="-122"/>
               </a:rPr>
-              <a:t>代码整洁之道读书</a:t>
+              <a:t>程序员修炼之</a:t>
+            </a:r>
+            <a:r>
+              <a:rPr lang="zh-CN" altLang="en-US" sz="4800" b="1" dirty="0" smtClean="0">
+                <a:solidFill>
+                  <a:schemeClr val="bg1"/>
+                </a:solidFill>
+                <a:latin typeface="微软雅黑" panose="020B0503020204020204" pitchFamily="34" charset="-122"/>
+                <a:ea typeface="微软雅黑" panose="020B0503020204020204" pitchFamily="34" charset="-122"/>
+              </a:rPr>
+              <a:t>道读书</a:t>
             </a:r>
             <a:r>
               <a:rPr lang="zh-CN" altLang="en-US" sz="4800" b="1" dirty="0">
@@ -10756,17 +10766,7 @@
                 <a:latin typeface="微软雅黑" panose="020B0503020204020204" pitchFamily="34" charset="-122"/>
                 <a:ea typeface="微软雅黑" panose="020B0503020204020204" pitchFamily="34" charset="-122"/>
               </a:rPr>
-              <a:t>姓名</a:t>
-            </a:r>
-            <a:r>
-              <a:rPr lang="zh-CN" altLang="en-US" sz="2800" dirty="0" smtClean="0">
-                <a:solidFill>
-                  <a:schemeClr val="bg1"/>
-                </a:solidFill>
-                <a:latin typeface="微软雅黑" panose="020B0503020204020204" pitchFamily="34" charset="-122"/>
-                <a:ea typeface="微软雅黑" panose="020B0503020204020204" pitchFamily="34" charset="-122"/>
-              </a:rPr>
-              <a:t>：周嘉俊</a:t>
+              <a:t>姓名：周嘉俊</a:t>
             </a:r>
             <a:endParaRPr lang="zh-CN" altLang="en-US" sz="2800" dirty="0">
               <a:solidFill>
@@ -11067,7 +11067,7 @@
                 <a:latin typeface="微软雅黑" pitchFamily="34" charset="-122"/>
                 <a:ea typeface="微软雅黑" pitchFamily="34" charset="-122"/>
               </a:rPr>
-              <a:t>函数的原则</a:t>
+              <a:t>注重效率</a:t>
             </a:r>
             <a:endParaRPr lang="en-US" altLang="zh-CN" sz="3200" b="1" dirty="0" smtClean="0">
               <a:solidFill>
@@ -11103,7 +11103,43 @@
                 <a:latin typeface="微软雅黑" pitchFamily="34" charset="-122"/>
                 <a:ea typeface="微软雅黑" pitchFamily="34" charset="-122"/>
               </a:rPr>
-              <a:t>类的组织</a:t>
+              <a:t>项目实施的注意事项</a:t>
+            </a:r>
+            <a:endParaRPr lang="en-US" altLang="zh-CN" sz="3200" b="1" dirty="0" smtClean="0">
+              <a:solidFill>
+                <a:srgbClr val="1C1C1C"/>
+              </a:solidFill>
+              <a:latin typeface="微软雅黑" pitchFamily="34" charset="-122"/>
+              <a:ea typeface="微软雅黑" pitchFamily="34" charset="-122"/>
+            </a:endParaRPr>
+          </a:p>
+          <a:p>
+            <a:pPr marL="438150" indent="-438150">
+              <a:lnSpc>
+                <a:spcPct val="150000"/>
+              </a:lnSpc>
+              <a:spcBef>
+                <a:spcPct val="10000"/>
+              </a:spcBef>
+              <a:spcAft>
+                <a:spcPct val="10000"/>
+              </a:spcAft>
+              <a:buClr>
+                <a:srgbClr val="1C1C1C"/>
+              </a:buClr>
+              <a:buSzPct val="65000"/>
+              <a:buFont typeface="Wingdings" pitchFamily="2" charset="2"/>
+              <a:buChar char="u"/>
+            </a:pPr>
+            <a:r>
+              <a:rPr lang="zh-CN" altLang="en-US" sz="3200" b="1" dirty="0" smtClean="0">
+                <a:solidFill>
+                  <a:srgbClr val="1C1C1C"/>
+                </a:solidFill>
+                <a:latin typeface="微软雅黑" pitchFamily="34" charset="-122"/>
+                <a:ea typeface="微软雅黑" pitchFamily="34" charset="-122"/>
+              </a:rPr>
+              <a:t>优秀团队的构建</a:t>
             </a:r>
             <a:endParaRPr lang="en-US" altLang="zh-CN" sz="3200" b="1" dirty="0" smtClean="0">
               <a:solidFill>
@@ -11139,53 +11175,7 @@
                 <a:latin typeface="微软雅黑" pitchFamily="34" charset="-122"/>
                 <a:ea typeface="微软雅黑" pitchFamily="34" charset="-122"/>
               </a:rPr>
-              <a:t>并发编程</a:t>
-            </a:r>
-            <a:endParaRPr lang="en-US" altLang="zh-CN" sz="3200" b="1" dirty="0" smtClean="0">
-              <a:solidFill>
-                <a:srgbClr val="1C1C1C"/>
-              </a:solidFill>
-              <a:latin typeface="微软雅黑" pitchFamily="34" charset="-122"/>
-              <a:ea typeface="微软雅黑" pitchFamily="34" charset="-122"/>
-            </a:endParaRPr>
-          </a:p>
-          <a:p>
-            <a:pPr marL="438150" indent="-438150" algn="l" eaLnBrk="1" hangingPunct="1">
-              <a:lnSpc>
-                <a:spcPct val="150000"/>
-              </a:lnSpc>
-              <a:spcBef>
-                <a:spcPct val="10000"/>
-              </a:spcBef>
-              <a:spcAft>
-                <a:spcPct val="10000"/>
-              </a:spcAft>
-              <a:buClr>
-                <a:srgbClr val="1C1C1C"/>
-              </a:buClr>
-              <a:buSzPct val="65000"/>
-              <a:buFont typeface="Wingdings" pitchFamily="2" charset="2"/>
-              <a:buChar char="u"/>
-            </a:pPr>
-            <a:r>
-              <a:rPr lang="zh-CN" altLang="en-US" sz="3200" b="1" dirty="0" smtClean="0">
-                <a:solidFill>
-                  <a:srgbClr val="1C1C1C"/>
-                </a:solidFill>
-                <a:latin typeface="微软雅黑" pitchFamily="34" charset="-122"/>
-                <a:ea typeface="微软雅黑" pitchFamily="34" charset="-122"/>
-              </a:rPr>
-              <a:t>主要</a:t>
-            </a:r>
-            <a:r>
-              <a:rPr lang="zh-CN" altLang="en-US" sz="3200" b="1" dirty="0" smtClean="0">
-                <a:solidFill>
-                  <a:srgbClr val="1C1C1C"/>
-                </a:solidFill>
-                <a:latin typeface="微软雅黑" pitchFamily="34" charset="-122"/>
-                <a:ea typeface="微软雅黑" pitchFamily="34" charset="-122"/>
-              </a:rPr>
-              <a:t>收获</a:t>
+              <a:t>主要收获</a:t>
             </a:r>
             <a:endParaRPr lang="en-US" altLang="zh-CN" sz="3200" b="1" dirty="0" smtClean="0">
               <a:solidFill>
@@ -11303,45 +11293,130 @@
         </p:nvSpPr>
         <p:spPr/>
         <p:txBody>
-          <a:bodyPr/>
+          <a:bodyPr>
+            <a:normAutofit lnSpcReduction="10000"/>
+          </a:bodyPr>
           <a:lstStyle/>
           <a:p>
             <a:r>
               <a:rPr lang="zh-CN" altLang="en-US" dirty="0" smtClean="0"/>
-              <a:t>函数的原则</a:t>
+              <a:t>注重效率</a:t>
             </a:r>
             <a:endParaRPr lang="en-US" altLang="zh-CN" dirty="0" smtClean="0"/>
           </a:p>
           <a:p>
+            <a:pPr marL="0" indent="0">
+              <a:buNone/>
+            </a:pPr>
             <a:r>
               <a:rPr lang="en-US" altLang="zh-CN" dirty="0" smtClean="0"/>
               <a:t>1.</a:t>
             </a:r>
             <a:r>
               <a:rPr lang="zh-CN" altLang="en-US" dirty="0" smtClean="0"/>
-              <a:t>短小</a:t>
+              <a:t>破窗理论，发现缺陷要捉紧修复，不然就会越来越多缺陷</a:t>
             </a:r>
             <a:endParaRPr lang="en-US" altLang="zh-CN" dirty="0" smtClean="0"/>
           </a:p>
           <a:p>
+            <a:pPr marL="0" indent="0">
+              <a:buNone/>
+            </a:pPr>
             <a:r>
               <a:rPr lang="en-US" altLang="zh-CN" dirty="0" smtClean="0"/>
               <a:t>2.</a:t>
             </a:r>
             <a:r>
               <a:rPr lang="zh-CN" altLang="en-US" dirty="0" smtClean="0"/>
-              <a:t>只做一件事</a:t>
+              <a:t>要定期学习新的技术，要留意技术潮流的最新动态</a:t>
             </a:r>
             <a:endParaRPr lang="en-US" altLang="zh-CN" dirty="0" smtClean="0"/>
           </a:p>
           <a:p>
+            <a:pPr marL="0" indent="0">
+              <a:buNone/>
+            </a:pPr>
+            <a:r>
+              <a:rPr lang="zh-CN" altLang="en-US" dirty="0" smtClean="0"/>
+              <a:t>，这样才能提高工作效率，并且保证自身价值。</a:t>
+            </a:r>
+            <a:endParaRPr lang="en-US" altLang="zh-CN" dirty="0" smtClean="0"/>
+          </a:p>
+          <a:p>
+            <a:pPr marL="0" indent="0">
+              <a:buNone/>
+            </a:pPr>
             <a:r>
               <a:rPr lang="en-US" altLang="zh-CN" dirty="0" smtClean="0"/>
               <a:t>3.</a:t>
             </a:r>
             <a:r>
-              <a:rPr lang="zh-CN" altLang="en-US" smtClean="0"/>
-              <a:t>要学会抽离</a:t>
+              <a:rPr lang="zh-CN" altLang="en-US" dirty="0" smtClean="0"/>
+              <a:t>不要为了一时之快选择</a:t>
+            </a:r>
+            <a:r>
+              <a:rPr lang="en-US" altLang="zh-CN" dirty="0" smtClean="0"/>
+              <a:t>copy</a:t>
+            </a:r>
+            <a:r>
+              <a:rPr lang="zh-CN" altLang="en-US" dirty="0" smtClean="0"/>
+              <a:t>别人类似的代码，要考虑是否能通过重构，增强其复用性。这样有利于后期维护。</a:t>
+            </a:r>
+            <a:endParaRPr lang="en-US" altLang="zh-CN" dirty="0" smtClean="0"/>
+          </a:p>
+          <a:p>
+            <a:pPr marL="0" indent="0">
+              <a:buNone/>
+            </a:pPr>
+            <a:r>
+              <a:rPr lang="en-US" altLang="zh-CN" dirty="0" smtClean="0"/>
+              <a:t>4.</a:t>
+            </a:r>
+            <a:r>
+              <a:rPr lang="zh-CN" altLang="en-US" dirty="0" smtClean="0"/>
+              <a:t>注意系统的正交性，不要牵一发而动全身，这样能提高生产率和降低维护的风险。</a:t>
+            </a:r>
+            <a:endParaRPr lang="en-US" altLang="zh-CN" dirty="0" smtClean="0"/>
+          </a:p>
+          <a:p>
+            <a:pPr marL="0" indent="0">
+              <a:buNone/>
+            </a:pPr>
+            <a:r>
+              <a:rPr lang="en-US" altLang="zh-CN" dirty="0" smtClean="0"/>
+              <a:t>5.</a:t>
+            </a:r>
+            <a:r>
+              <a:rPr lang="zh-CN" altLang="en-US" dirty="0" smtClean="0"/>
+              <a:t>不要单纯满足于使用</a:t>
+            </a:r>
+            <a:r>
+              <a:rPr lang="en-US" altLang="zh-CN" dirty="0" smtClean="0"/>
+              <a:t>IDE</a:t>
+            </a:r>
+            <a:r>
+              <a:rPr lang="zh-CN" altLang="en-US" dirty="0" smtClean="0"/>
+              <a:t>工具，要学会使用</a:t>
+            </a:r>
+            <a:r>
+              <a:rPr lang="en-US" altLang="zh-CN" dirty="0" smtClean="0"/>
+              <a:t>shell</a:t>
+            </a:r>
+            <a:r>
+              <a:rPr lang="zh-CN" altLang="en-US" dirty="0" smtClean="0"/>
+              <a:t>命令做一些</a:t>
+            </a:r>
+            <a:r>
+              <a:rPr lang="en-US" altLang="zh-CN" dirty="0" smtClean="0"/>
+              <a:t>IDE</a:t>
+            </a:r>
+            <a:r>
+              <a:rPr lang="zh-CN" altLang="en-US" dirty="0" smtClean="0"/>
+              <a:t>工具无法做到的事。</a:t>
+            </a:r>
+            <a:r>
+              <a:rPr lang="en-US" altLang="zh-CN" smtClean="0"/>
+              <a:t>P79</a:t>
             </a:r>
             <a:endParaRPr lang="zh-CN" altLang="en-US" dirty="0"/>
           </a:p>
@@ -11440,7 +11515,7 @@
           <a:bodyPr/>
           <a:lstStyle/>
           <a:p>
-            <a:endParaRPr lang="zh-CN" altLang="en-US"/>
+            <a:endParaRPr lang="zh-CN" altLang="en-US" dirty="0"/>
           </a:p>
         </p:txBody>
       </p:sp>
@@ -11639,6 +11714,44 @@
               <a:latin typeface="微软雅黑" pitchFamily="34" charset="-122"/>
               <a:ea typeface="微软雅黑" pitchFamily="34" charset="-122"/>
             </a:endParaRPr>
+          </a:p>
+        </p:txBody>
+      </p:sp>
+      <p:sp>
+        <p:nvSpPr>
+          <p:cNvPr id="5" name="文本框 4"/>
+          <p:cNvSpPr txBox="1"/>
+          <p:nvPr/>
+        </p:nvSpPr>
+        <p:spPr>
+          <a:xfrm>
+            <a:off x="0" y="873211"/>
+            <a:ext cx="9144000" cy="646331"/>
+          </a:xfrm>
+          <a:prstGeom prst="rect">
+            <a:avLst/>
+          </a:prstGeom>
+          <a:noFill/>
+        </p:spPr>
+        <p:txBody>
+          <a:bodyPr wrap="square" rtlCol="0">
+            <a:spAutoFit/>
+          </a:bodyPr>
+          <a:lstStyle/>
+          <a:p>
+            <a:r>
+              <a:rPr lang="en-US" altLang="zh-CN" dirty="0" smtClean="0"/>
+              <a:t>1.</a:t>
+            </a:r>
+            <a:r>
+              <a:rPr lang="zh-CN" altLang="en-US" dirty="0" smtClean="0"/>
+              <a:t>看到缺陷要及时</a:t>
+            </a:r>
+            <a:r>
+              <a:rPr lang="zh-CN" altLang="en-US" dirty="0" smtClean="0"/>
+              <a:t>处理，要在项目开始编写时就要注意好规范，不要想着先写能跑的代码，后期再优化。</a:t>
+            </a:r>
+            <a:endParaRPr lang="zh-CN" altLang="en-US" dirty="0"/>
           </a:p>
         </p:txBody>
       </p:sp>

--- a/01 知识传递/1-2-1 知识传递 读1本书/02-读1本书-读书笔记撰写模板.pptx
+++ b/01 知识传递/1-2-1 知识传递 读1本书/02-读1本书-读书笔记撰写模板.pptx
@@ -290,7 +290,7 @@
               <a:pPr>
                 <a:defRPr/>
               </a:pPr>
-              <a:t>2018/6/10</a:t>
+              <a:t>2018/6/12</a:t>
             </a:fld>
             <a:endParaRPr lang="zh-CN" altLang="en-US"/>
           </a:p>
@@ -491,7 +491,7 @@
               <a:pPr>
                 <a:defRPr/>
               </a:pPr>
-              <a:t>2018/6/10</a:t>
+              <a:t>2018/6/12</a:t>
             </a:fld>
             <a:endParaRPr lang="zh-CN" altLang="en-US"/>
           </a:p>
@@ -966,7 +966,7 @@
                 </a:solidFill>
               </a:rPr>
               <a:pPr/>
-              <a:t>2018/6/10</a:t>
+              <a:t>2018/6/12</a:t>
             </a:fld>
             <a:endParaRPr lang="zh-CN" altLang="en-US">
               <a:solidFill>
@@ -1386,7 +1386,7 @@
                 </a:solidFill>
               </a:rPr>
               <a:pPr/>
-              <a:t>2018/6/10</a:t>
+              <a:t>2018/6/12</a:t>
             </a:fld>
             <a:endParaRPr lang="zh-CN" altLang="en-US">
               <a:solidFill>
@@ -1565,7 +1565,7 @@
                 </a:solidFill>
               </a:rPr>
               <a:pPr/>
-              <a:t>2018/6/10</a:t>
+              <a:t>2018/6/12</a:t>
             </a:fld>
             <a:endParaRPr lang="zh-CN" altLang="en-US">
               <a:solidFill>
@@ -1895,7 +1895,7 @@
                 </a:solidFill>
               </a:rPr>
               <a:pPr/>
-              <a:t>2018/6/10</a:t>
+              <a:t>2018/6/12</a:t>
             </a:fld>
             <a:endParaRPr lang="zh-CN" altLang="en-US">
               <a:solidFill>
@@ -2205,7 +2205,7 @@
                 </a:solidFill>
               </a:rPr>
               <a:pPr/>
-              <a:t>2018/6/10</a:t>
+              <a:t>2018/6/12</a:t>
             </a:fld>
             <a:endParaRPr lang="zh-CN" altLang="en-US">
               <a:solidFill>
@@ -2436,7 +2436,7 @@
                 </a:solidFill>
               </a:rPr>
               <a:pPr/>
-              <a:t>2018/6/10</a:t>
+              <a:t>2018/6/12</a:t>
             </a:fld>
             <a:endParaRPr lang="zh-CN" altLang="en-US">
               <a:solidFill>
@@ -2669,7 +2669,7 @@
                 </a:solidFill>
               </a:rPr>
               <a:pPr/>
-              <a:t>2018/6/10</a:t>
+              <a:t>2018/6/12</a:t>
             </a:fld>
             <a:endParaRPr lang="zh-CN" altLang="en-US">
               <a:solidFill>
@@ -2817,7 +2817,7 @@
                 </a:solidFill>
               </a:rPr>
               <a:pPr/>
-              <a:t>2018/6/10</a:t>
+              <a:t>2018/6/12</a:t>
             </a:fld>
             <a:endParaRPr lang="zh-CN" altLang="en-US">
               <a:solidFill>
@@ -3090,7 +3090,7 @@
                 </a:solidFill>
               </a:rPr>
               <a:pPr/>
-              <a:t>2018/6/10</a:t>
+              <a:t>2018/6/12</a:t>
             </a:fld>
             <a:endParaRPr lang="zh-CN" altLang="en-US">
               <a:solidFill>
@@ -3377,7 +3377,7 @@
                 </a:solidFill>
               </a:rPr>
               <a:pPr/>
-              <a:t>2018/6/10</a:t>
+              <a:t>2018/6/12</a:t>
             </a:fld>
             <a:endParaRPr lang="zh-CN" altLang="en-US">
               <a:solidFill>
@@ -3644,7 +3644,7 @@
                 </a:solidFill>
               </a:rPr>
               <a:pPr/>
-              <a:t>2018/6/10</a:t>
+              <a:t>2018/6/12</a:t>
             </a:fld>
             <a:endParaRPr lang="zh-CN" altLang="en-US">
               <a:solidFill>
@@ -3889,7 +3889,7 @@
               <a:pPr>
                 <a:defRPr/>
               </a:pPr>
-              <a:t>6/10/2018</a:t>
+              <a:t>6/12/2018</a:t>
             </a:fld>
             <a:endParaRPr lang="en-US" altLang="zh-CN"/>
           </a:p>
@@ -4051,7 +4051,7 @@
                 </a:solidFill>
               </a:rPr>
               <a:pPr/>
-              <a:t>2018/6/10</a:t>
+              <a:t>2018/6/12</a:t>
             </a:fld>
             <a:endParaRPr lang="zh-CN" altLang="en-US">
               <a:solidFill>
@@ -4407,7 +4407,7 @@
                 </a:solidFill>
               </a:rPr>
               <a:pPr/>
-              <a:t>2018/6/10</a:t>
+              <a:t>2018/6/12</a:t>
             </a:fld>
             <a:endParaRPr lang="zh-CN" altLang="en-US">
               <a:solidFill>
@@ -4700,7 +4700,7 @@
                 </a:solidFill>
               </a:rPr>
               <a:pPr/>
-              <a:t>2018/6/10</a:t>
+              <a:t>2018/6/12</a:t>
             </a:fld>
             <a:endParaRPr lang="zh-CN" altLang="en-US">
               <a:solidFill>
@@ -5120,7 +5120,7 @@
                 </a:solidFill>
               </a:rPr>
               <a:pPr/>
-              <a:t>2018/6/10</a:t>
+              <a:t>2018/6/12</a:t>
             </a:fld>
             <a:endParaRPr lang="zh-CN" altLang="en-US">
               <a:solidFill>
@@ -5299,7 +5299,7 @@
                 </a:solidFill>
               </a:rPr>
               <a:pPr/>
-              <a:t>2018/6/10</a:t>
+              <a:t>2018/6/12</a:t>
             </a:fld>
             <a:endParaRPr lang="zh-CN" altLang="en-US">
               <a:solidFill>
@@ -5461,7 +5461,7 @@
                 </a:solidFill>
               </a:rPr>
               <a:pPr/>
-              <a:t>2018/6/10</a:t>
+              <a:t>2018/6/12</a:t>
             </a:fld>
             <a:endParaRPr lang="zh-CN" altLang="en-US">
               <a:solidFill>
@@ -5791,7 +5791,7 @@
                 </a:solidFill>
               </a:rPr>
               <a:pPr/>
-              <a:t>2018/6/10</a:t>
+              <a:t>2018/6/12</a:t>
             </a:fld>
             <a:endParaRPr lang="zh-CN" altLang="en-US">
               <a:solidFill>
@@ -6101,7 +6101,7 @@
                 </a:solidFill>
               </a:rPr>
               <a:pPr/>
-              <a:t>2018/6/10</a:t>
+              <a:t>2018/6/12</a:t>
             </a:fld>
             <a:endParaRPr lang="zh-CN" altLang="en-US">
               <a:solidFill>
@@ -6332,7 +6332,7 @@
                 </a:solidFill>
               </a:rPr>
               <a:pPr/>
-              <a:t>2018/6/10</a:t>
+              <a:t>2018/6/12</a:t>
             </a:fld>
             <a:endParaRPr lang="zh-CN" altLang="en-US">
               <a:solidFill>
@@ -6565,7 +6565,7 @@
                 </a:solidFill>
               </a:rPr>
               <a:pPr/>
-              <a:t>2018/6/10</a:t>
+              <a:t>2018/6/12</a:t>
             </a:fld>
             <a:endParaRPr lang="zh-CN" altLang="en-US">
               <a:solidFill>
@@ -6771,7 +6771,7 @@
                 </a:solidFill>
               </a:rPr>
               <a:pPr/>
-              <a:t>2018/6/10</a:t>
+              <a:t>2018/6/12</a:t>
             </a:fld>
             <a:endParaRPr lang="zh-CN" altLang="en-US">
               <a:solidFill>
@@ -7044,7 +7044,7 @@
                 </a:solidFill>
               </a:rPr>
               <a:pPr/>
-              <a:t>2018/6/10</a:t>
+              <a:t>2018/6/12</a:t>
             </a:fld>
             <a:endParaRPr lang="zh-CN" altLang="en-US">
               <a:solidFill>
@@ -7363,7 +7363,7 @@
               <a:pPr>
                 <a:defRPr/>
               </a:pPr>
-              <a:t>6/10/2018</a:t>
+              <a:t>6/12/2018</a:t>
             </a:fld>
             <a:endParaRPr lang="en-US" altLang="zh-CN"/>
           </a:p>
@@ -7630,7 +7630,7 @@
                 </a:solidFill>
               </a:rPr>
               <a:pPr/>
-              <a:t>2018/6/10</a:t>
+              <a:t>2018/6/12</a:t>
             </a:fld>
             <a:endParaRPr lang="zh-CN" altLang="en-US">
               <a:solidFill>
@@ -7792,7 +7792,7 @@
                 </a:solidFill>
               </a:rPr>
               <a:pPr/>
-              <a:t>2018/6/10</a:t>
+              <a:t>2018/6/12</a:t>
             </a:fld>
             <a:endParaRPr lang="zh-CN" altLang="en-US">
               <a:solidFill>
@@ -8079,7 +8079,7 @@
                 </a:solidFill>
               </a:rPr>
               <a:pPr/>
-              <a:t>2018/6/10</a:t>
+              <a:t>2018/6/12</a:t>
             </a:fld>
             <a:endParaRPr lang="zh-CN" altLang="en-US">
               <a:solidFill>
@@ -8435,7 +8435,7 @@
                 </a:solidFill>
               </a:rPr>
               <a:pPr/>
-              <a:t>2018/6/10</a:t>
+              <a:t>2018/6/12</a:t>
             </a:fld>
             <a:endParaRPr lang="zh-CN" altLang="en-US">
               <a:solidFill>
@@ -8728,7 +8728,7 @@
                 </a:solidFill>
               </a:rPr>
               <a:pPr/>
-              <a:t>2018/6/10</a:t>
+              <a:t>2018/6/12</a:t>
             </a:fld>
             <a:endParaRPr lang="zh-CN" altLang="en-US">
               <a:solidFill>
@@ -9002,7 +9002,7 @@
                   <a:spcPts val="0"/>
                 </a:spcAft>
               </a:pPr>
-              <a:t>2018/6/10</a:t>
+              <a:t>2018/6/12</a:t>
             </a:fld>
             <a:endParaRPr lang="zh-CN" altLang="en-US">
               <a:solidFill>
@@ -9591,7 +9591,7 @@
                   <a:spcPts val="0"/>
                 </a:spcAft>
               </a:pPr>
-              <a:t>2018/6/10</a:t>
+              <a:t>2018/6/12</a:t>
             </a:fld>
             <a:endParaRPr lang="zh-CN" altLang="en-US">
               <a:solidFill>
@@ -10190,7 +10190,7 @@
                   <a:spcPts val="0"/>
                 </a:spcAft>
               </a:pPr>
-              <a:t>2018/6/10</a:t>
+              <a:t>2018/6/12</a:t>
             </a:fld>
             <a:endParaRPr lang="zh-CN" altLang="en-US">
               <a:solidFill>
@@ -11515,6 +11515,13 @@
           <a:bodyPr/>
           <a:lstStyle/>
           <a:p>
+            <a:r>
+              <a:rPr lang="zh-CN" altLang="en-US" dirty="0" smtClean="0"/>
+              <a:t>按合约设计</a:t>
+            </a:r>
+            <a:endParaRPr lang="en-US" altLang="zh-CN" dirty="0" smtClean="0"/>
+          </a:p>
+          <a:p>
             <a:endParaRPr lang="zh-CN" altLang="en-US" dirty="0"/>
           </a:p>
         </p:txBody>
@@ -11745,11 +11752,7 @@
             </a:r>
             <a:r>
               <a:rPr lang="zh-CN" altLang="en-US" dirty="0" smtClean="0"/>
-              <a:t>看到缺陷要及时</a:t>
-            </a:r>
-            <a:r>
-              <a:rPr lang="zh-CN" altLang="en-US" dirty="0" smtClean="0"/>
-              <a:t>处理，要在项目开始编写时就要注意好规范，不要想着先写能跑的代码，后期再优化。</a:t>
+              <a:t>看到缺陷要及时处理，要在项目开始编写时就要注意好规范，不要想着先写能跑的代码，后期再优化。</a:t>
             </a:r>
             <a:endParaRPr lang="zh-CN" altLang="en-US" dirty="0"/>
           </a:p>

--- a/01 知识传递/1-2-1 知识传递 读1本书/02-读1本书-读书笔记撰写模板.pptx
+++ b/01 知识传递/1-2-1 知识传递 读1本书/02-读1本书-读书笔记撰写模板.pptx
@@ -290,7 +290,7 @@
               <a:pPr>
                 <a:defRPr/>
               </a:pPr>
-              <a:t>2018/6/12</a:t>
+              <a:t>2018/7/17</a:t>
             </a:fld>
             <a:endParaRPr lang="zh-CN" altLang="en-US"/>
           </a:p>
@@ -491,7 +491,7 @@
               <a:pPr>
                 <a:defRPr/>
               </a:pPr>
-              <a:t>2018/6/12</a:t>
+              <a:t>2018/7/17</a:t>
             </a:fld>
             <a:endParaRPr lang="zh-CN" altLang="en-US"/>
           </a:p>
@@ -966,7 +966,7 @@
                 </a:solidFill>
               </a:rPr>
               <a:pPr/>
-              <a:t>2018/6/12</a:t>
+              <a:t>2018/7/17</a:t>
             </a:fld>
             <a:endParaRPr lang="zh-CN" altLang="en-US">
               <a:solidFill>
@@ -1386,7 +1386,7 @@
                 </a:solidFill>
               </a:rPr>
               <a:pPr/>
-              <a:t>2018/6/12</a:t>
+              <a:t>2018/7/17</a:t>
             </a:fld>
             <a:endParaRPr lang="zh-CN" altLang="en-US">
               <a:solidFill>
@@ -1565,7 +1565,7 @@
                 </a:solidFill>
               </a:rPr>
               <a:pPr/>
-              <a:t>2018/6/12</a:t>
+              <a:t>2018/7/17</a:t>
             </a:fld>
             <a:endParaRPr lang="zh-CN" altLang="en-US">
               <a:solidFill>
@@ -1895,7 +1895,7 @@
                 </a:solidFill>
               </a:rPr>
               <a:pPr/>
-              <a:t>2018/6/12</a:t>
+              <a:t>2018/7/17</a:t>
             </a:fld>
             <a:endParaRPr lang="zh-CN" altLang="en-US">
               <a:solidFill>
@@ -2205,7 +2205,7 @@
                 </a:solidFill>
               </a:rPr>
               <a:pPr/>
-              <a:t>2018/6/12</a:t>
+              <a:t>2018/7/17</a:t>
             </a:fld>
             <a:endParaRPr lang="zh-CN" altLang="en-US">
               <a:solidFill>
@@ -2436,7 +2436,7 @@
                 </a:solidFill>
               </a:rPr>
               <a:pPr/>
-              <a:t>2018/6/12</a:t>
+              <a:t>2018/7/17</a:t>
             </a:fld>
             <a:endParaRPr lang="zh-CN" altLang="en-US">
               <a:solidFill>
@@ -2669,7 +2669,7 @@
                 </a:solidFill>
               </a:rPr>
               <a:pPr/>
-              <a:t>2018/6/12</a:t>
+              <a:t>2018/7/17</a:t>
             </a:fld>
             <a:endParaRPr lang="zh-CN" altLang="en-US">
               <a:solidFill>
@@ -2817,7 +2817,7 @@
                 </a:solidFill>
               </a:rPr>
               <a:pPr/>
-              <a:t>2018/6/12</a:t>
+              <a:t>2018/7/17</a:t>
             </a:fld>
             <a:endParaRPr lang="zh-CN" altLang="en-US">
               <a:solidFill>
@@ -3090,7 +3090,7 @@
                 </a:solidFill>
               </a:rPr>
               <a:pPr/>
-              <a:t>2018/6/12</a:t>
+              <a:t>2018/7/17</a:t>
             </a:fld>
             <a:endParaRPr lang="zh-CN" altLang="en-US">
               <a:solidFill>
@@ -3377,7 +3377,7 @@
                 </a:solidFill>
               </a:rPr>
               <a:pPr/>
-              <a:t>2018/6/12</a:t>
+              <a:t>2018/7/17</a:t>
             </a:fld>
             <a:endParaRPr lang="zh-CN" altLang="en-US">
               <a:solidFill>
@@ -3644,7 +3644,7 @@
                 </a:solidFill>
               </a:rPr>
               <a:pPr/>
-              <a:t>2018/6/12</a:t>
+              <a:t>2018/7/17</a:t>
             </a:fld>
             <a:endParaRPr lang="zh-CN" altLang="en-US">
               <a:solidFill>
@@ -3889,7 +3889,7 @@
               <a:pPr>
                 <a:defRPr/>
               </a:pPr>
-              <a:t>6/12/2018</a:t>
+              <a:t>7/17/2018</a:t>
             </a:fld>
             <a:endParaRPr lang="en-US" altLang="zh-CN"/>
           </a:p>
@@ -4051,7 +4051,7 @@
                 </a:solidFill>
               </a:rPr>
               <a:pPr/>
-              <a:t>2018/6/12</a:t>
+              <a:t>2018/7/17</a:t>
             </a:fld>
             <a:endParaRPr lang="zh-CN" altLang="en-US">
               <a:solidFill>
@@ -4407,7 +4407,7 @@
                 </a:solidFill>
               </a:rPr>
               <a:pPr/>
-              <a:t>2018/6/12</a:t>
+              <a:t>2018/7/17</a:t>
             </a:fld>
             <a:endParaRPr lang="zh-CN" altLang="en-US">
               <a:solidFill>
@@ -4700,7 +4700,7 @@
                 </a:solidFill>
               </a:rPr>
               <a:pPr/>
-              <a:t>2018/6/12</a:t>
+              <a:t>2018/7/17</a:t>
             </a:fld>
             <a:endParaRPr lang="zh-CN" altLang="en-US">
               <a:solidFill>
@@ -5120,7 +5120,7 @@
                 </a:solidFill>
               </a:rPr>
               <a:pPr/>
-              <a:t>2018/6/12</a:t>
+              <a:t>2018/7/17</a:t>
             </a:fld>
             <a:endParaRPr lang="zh-CN" altLang="en-US">
               <a:solidFill>
@@ -5299,7 +5299,7 @@
                 </a:solidFill>
               </a:rPr>
               <a:pPr/>
-              <a:t>2018/6/12</a:t>
+              <a:t>2018/7/17</a:t>
             </a:fld>
             <a:endParaRPr lang="zh-CN" altLang="en-US">
               <a:solidFill>
@@ -5461,7 +5461,7 @@
                 </a:solidFill>
               </a:rPr>
               <a:pPr/>
-              <a:t>2018/6/12</a:t>
+              <a:t>2018/7/17</a:t>
             </a:fld>
             <a:endParaRPr lang="zh-CN" altLang="en-US">
               <a:solidFill>
@@ -5791,7 +5791,7 @@
                 </a:solidFill>
               </a:rPr>
               <a:pPr/>
-              <a:t>2018/6/12</a:t>
+              <a:t>2018/7/17</a:t>
             </a:fld>
             <a:endParaRPr lang="zh-CN" altLang="en-US">
               <a:solidFill>
@@ -6101,7 +6101,7 @@
                 </a:solidFill>
               </a:rPr>
               <a:pPr/>
-              <a:t>2018/6/12</a:t>
+              <a:t>2018/7/17</a:t>
             </a:fld>
             <a:endParaRPr lang="zh-CN" altLang="en-US">
               <a:solidFill>
@@ -6332,7 +6332,7 @@
                 </a:solidFill>
               </a:rPr>
               <a:pPr/>
-              <a:t>2018/6/12</a:t>
+              <a:t>2018/7/17</a:t>
             </a:fld>
             <a:endParaRPr lang="zh-CN" altLang="en-US">
               <a:solidFill>
@@ -6565,7 +6565,7 @@
                 </a:solidFill>
               </a:rPr>
               <a:pPr/>
-              <a:t>2018/6/12</a:t>
+              <a:t>2018/7/17</a:t>
             </a:fld>
             <a:endParaRPr lang="zh-CN" altLang="en-US">
               <a:solidFill>
@@ -6771,7 +6771,7 @@
                 </a:solidFill>
               </a:rPr>
               <a:pPr/>
-              <a:t>2018/6/12</a:t>
+              <a:t>2018/7/17</a:t>
             </a:fld>
             <a:endParaRPr lang="zh-CN" altLang="en-US">
               <a:solidFill>
@@ -7044,7 +7044,7 @@
                 </a:solidFill>
               </a:rPr>
               <a:pPr/>
-              <a:t>2018/6/12</a:t>
+              <a:t>2018/7/17</a:t>
             </a:fld>
             <a:endParaRPr lang="zh-CN" altLang="en-US">
               <a:solidFill>
@@ -7363,7 +7363,7 @@
               <a:pPr>
                 <a:defRPr/>
               </a:pPr>
-              <a:t>6/12/2018</a:t>
+              <a:t>7/17/2018</a:t>
             </a:fld>
             <a:endParaRPr lang="en-US" altLang="zh-CN"/>
           </a:p>
@@ -7630,7 +7630,7 @@
                 </a:solidFill>
               </a:rPr>
               <a:pPr/>
-              <a:t>2018/6/12</a:t>
+              <a:t>2018/7/17</a:t>
             </a:fld>
             <a:endParaRPr lang="zh-CN" altLang="en-US">
               <a:solidFill>
@@ -7792,7 +7792,7 @@
                 </a:solidFill>
               </a:rPr>
               <a:pPr/>
-              <a:t>2018/6/12</a:t>
+              <a:t>2018/7/17</a:t>
             </a:fld>
             <a:endParaRPr lang="zh-CN" altLang="en-US">
               <a:solidFill>
@@ -8079,7 +8079,7 @@
                 </a:solidFill>
               </a:rPr>
               <a:pPr/>
-              <a:t>2018/6/12</a:t>
+              <a:t>2018/7/17</a:t>
             </a:fld>
             <a:endParaRPr lang="zh-CN" altLang="en-US">
               <a:solidFill>
@@ -8435,7 +8435,7 @@
                 </a:solidFill>
               </a:rPr>
               <a:pPr/>
-              <a:t>2018/6/12</a:t>
+              <a:t>2018/7/17</a:t>
             </a:fld>
             <a:endParaRPr lang="zh-CN" altLang="en-US">
               <a:solidFill>
@@ -8728,7 +8728,7 @@
                 </a:solidFill>
               </a:rPr>
               <a:pPr/>
-              <a:t>2018/6/12</a:t>
+              <a:t>2018/7/17</a:t>
             </a:fld>
             <a:endParaRPr lang="zh-CN" altLang="en-US">
               <a:solidFill>
@@ -9002,7 +9002,7 @@
                   <a:spcPts val="0"/>
                 </a:spcAft>
               </a:pPr>
-              <a:t>2018/6/12</a:t>
+              <a:t>2018/7/17</a:t>
             </a:fld>
             <a:endParaRPr lang="zh-CN" altLang="en-US">
               <a:solidFill>
@@ -9591,7 +9591,7 @@
                   <a:spcPts val="0"/>
                 </a:spcAft>
               </a:pPr>
-              <a:t>2018/6/12</a:t>
+              <a:t>2018/7/17</a:t>
             </a:fld>
             <a:endParaRPr lang="zh-CN" altLang="en-US">
               <a:solidFill>
@@ -10190,7 +10190,7 @@
                   <a:spcPts val="0"/>
                 </a:spcAft>
               </a:pPr>
-              <a:t>2018/6/12</a:t>
+              <a:t>2018/7/17</a:t>
             </a:fld>
             <a:endParaRPr lang="zh-CN" altLang="en-US">
               <a:solidFill>
@@ -11733,7 +11733,7 @@
         <p:spPr>
           <a:xfrm>
             <a:off x="0" y="873211"/>
-            <a:ext cx="9144000" cy="646331"/>
+            <a:ext cx="9144000" cy="923330"/>
           </a:xfrm>
           <a:prstGeom prst="rect">
             <a:avLst/>
@@ -11752,7 +11752,22 @@
             </a:r>
             <a:r>
               <a:rPr lang="zh-CN" altLang="en-US" dirty="0" smtClean="0"/>
-              <a:t>看到缺陷要及时处理，要在项目开始编写时就要注意好规范，不要想着先写能跑的代码，后期再优化。</a:t>
+              <a:t>看到缺陷要及时处理，要在项目开始编写时就要注意好规范，不要想着先写能跑的代码，后期再优化</a:t>
+            </a:r>
+            <a:r>
+              <a:rPr lang="zh-CN" altLang="en-US" dirty="0" smtClean="0"/>
+              <a:t>。</a:t>
+            </a:r>
+            <a:endParaRPr lang="en-US" altLang="zh-CN" dirty="0"/>
+          </a:p>
+          <a:p>
+            <a:r>
+              <a:rPr lang="en-US" altLang="zh-CN" dirty="0" smtClean="0"/>
+              <a:t>2.</a:t>
+            </a:r>
+            <a:r>
+              <a:rPr lang="zh-CN" altLang="en-US" smtClean="0"/>
+              <a:t>需要学会让计划并发进行，解除时间的耦合，提高效率。</a:t>
             </a:r>
             <a:endParaRPr lang="zh-CN" altLang="en-US" dirty="0"/>
           </a:p>

--- a/01 知识传递/1-2-1 知识传递 读1本书/02-读1本书-读书笔记撰写模板.pptx
+++ b/01 知识传递/1-2-1 知识传递 读1本书/02-读1本书-读书笔记撰写模板.pptx
@@ -290,7 +290,7 @@
               <a:pPr>
                 <a:defRPr/>
               </a:pPr>
-              <a:t>2018/7/17</a:t>
+              <a:t>2018/7/19</a:t>
             </a:fld>
             <a:endParaRPr lang="zh-CN" altLang="en-US"/>
           </a:p>
@@ -491,7 +491,7 @@
               <a:pPr>
                 <a:defRPr/>
               </a:pPr>
-              <a:t>2018/7/17</a:t>
+              <a:t>2018/7/19</a:t>
             </a:fld>
             <a:endParaRPr lang="zh-CN" altLang="en-US"/>
           </a:p>
@@ -966,7 +966,7 @@
                 </a:solidFill>
               </a:rPr>
               <a:pPr/>
-              <a:t>2018/7/17</a:t>
+              <a:t>2018/7/19</a:t>
             </a:fld>
             <a:endParaRPr lang="zh-CN" altLang="en-US">
               <a:solidFill>
@@ -1386,7 +1386,7 @@
                 </a:solidFill>
               </a:rPr>
               <a:pPr/>
-              <a:t>2018/7/17</a:t>
+              <a:t>2018/7/19</a:t>
             </a:fld>
             <a:endParaRPr lang="zh-CN" altLang="en-US">
               <a:solidFill>
@@ -1565,7 +1565,7 @@
                 </a:solidFill>
               </a:rPr>
               <a:pPr/>
-              <a:t>2018/7/17</a:t>
+              <a:t>2018/7/19</a:t>
             </a:fld>
             <a:endParaRPr lang="zh-CN" altLang="en-US">
               <a:solidFill>
@@ -1895,7 +1895,7 @@
                 </a:solidFill>
               </a:rPr>
               <a:pPr/>
-              <a:t>2018/7/17</a:t>
+              <a:t>2018/7/19</a:t>
             </a:fld>
             <a:endParaRPr lang="zh-CN" altLang="en-US">
               <a:solidFill>
@@ -2205,7 +2205,7 @@
                 </a:solidFill>
               </a:rPr>
               <a:pPr/>
-              <a:t>2018/7/17</a:t>
+              <a:t>2018/7/19</a:t>
             </a:fld>
             <a:endParaRPr lang="zh-CN" altLang="en-US">
               <a:solidFill>
@@ -2436,7 +2436,7 @@
                 </a:solidFill>
               </a:rPr>
               <a:pPr/>
-              <a:t>2018/7/17</a:t>
+              <a:t>2018/7/19</a:t>
             </a:fld>
             <a:endParaRPr lang="zh-CN" altLang="en-US">
               <a:solidFill>
@@ -2669,7 +2669,7 @@
                 </a:solidFill>
               </a:rPr>
               <a:pPr/>
-              <a:t>2018/7/17</a:t>
+              <a:t>2018/7/19</a:t>
             </a:fld>
             <a:endParaRPr lang="zh-CN" altLang="en-US">
               <a:solidFill>
@@ -2817,7 +2817,7 @@
                 </a:solidFill>
               </a:rPr>
               <a:pPr/>
-              <a:t>2018/7/17</a:t>
+              <a:t>2018/7/19</a:t>
             </a:fld>
             <a:endParaRPr lang="zh-CN" altLang="en-US">
               <a:solidFill>
@@ -3090,7 +3090,7 @@
                 </a:solidFill>
               </a:rPr>
               <a:pPr/>
-              <a:t>2018/7/17</a:t>
+              <a:t>2018/7/19</a:t>
             </a:fld>
             <a:endParaRPr lang="zh-CN" altLang="en-US">
               <a:solidFill>
@@ -3377,7 +3377,7 @@
                 </a:solidFill>
               </a:rPr>
               <a:pPr/>
-              <a:t>2018/7/17</a:t>
+              <a:t>2018/7/19</a:t>
             </a:fld>
             <a:endParaRPr lang="zh-CN" altLang="en-US">
               <a:solidFill>
@@ -3644,7 +3644,7 @@
                 </a:solidFill>
               </a:rPr>
               <a:pPr/>
-              <a:t>2018/7/17</a:t>
+              <a:t>2018/7/19</a:t>
             </a:fld>
             <a:endParaRPr lang="zh-CN" altLang="en-US">
               <a:solidFill>
@@ -3889,7 +3889,7 @@
               <a:pPr>
                 <a:defRPr/>
               </a:pPr>
-              <a:t>7/17/2018</a:t>
+              <a:t>7/19/2018</a:t>
             </a:fld>
             <a:endParaRPr lang="en-US" altLang="zh-CN"/>
           </a:p>
@@ -4051,7 +4051,7 @@
                 </a:solidFill>
               </a:rPr>
               <a:pPr/>
-              <a:t>2018/7/17</a:t>
+              <a:t>2018/7/19</a:t>
             </a:fld>
             <a:endParaRPr lang="zh-CN" altLang="en-US">
               <a:solidFill>
@@ -4407,7 +4407,7 @@
                 </a:solidFill>
               </a:rPr>
               <a:pPr/>
-              <a:t>2018/7/17</a:t>
+              <a:t>2018/7/19</a:t>
             </a:fld>
             <a:endParaRPr lang="zh-CN" altLang="en-US">
               <a:solidFill>
@@ -4700,7 +4700,7 @@
                 </a:solidFill>
               </a:rPr>
               <a:pPr/>
-              <a:t>2018/7/17</a:t>
+              <a:t>2018/7/19</a:t>
             </a:fld>
             <a:endParaRPr lang="zh-CN" altLang="en-US">
               <a:solidFill>
@@ -5120,7 +5120,7 @@
                 </a:solidFill>
               </a:rPr>
               <a:pPr/>
-              <a:t>2018/7/17</a:t>
+              <a:t>2018/7/19</a:t>
             </a:fld>
             <a:endParaRPr lang="zh-CN" altLang="en-US">
               <a:solidFill>
@@ -5299,7 +5299,7 @@
                 </a:solidFill>
               </a:rPr>
               <a:pPr/>
-              <a:t>2018/7/17</a:t>
+              <a:t>2018/7/19</a:t>
             </a:fld>
             <a:endParaRPr lang="zh-CN" altLang="en-US">
               <a:solidFill>
@@ -5461,7 +5461,7 @@
                 </a:solidFill>
               </a:rPr>
               <a:pPr/>
-              <a:t>2018/7/17</a:t>
+              <a:t>2018/7/19</a:t>
             </a:fld>
             <a:endParaRPr lang="zh-CN" altLang="en-US">
               <a:solidFill>
@@ -5791,7 +5791,7 @@
                 </a:solidFill>
               </a:rPr>
               <a:pPr/>
-              <a:t>2018/7/17</a:t>
+              <a:t>2018/7/19</a:t>
             </a:fld>
             <a:endParaRPr lang="zh-CN" altLang="en-US">
               <a:solidFill>
@@ -6101,7 +6101,7 @@
                 </a:solidFill>
               </a:rPr>
               <a:pPr/>
-              <a:t>2018/7/17</a:t>
+              <a:t>2018/7/19</a:t>
             </a:fld>
             <a:endParaRPr lang="zh-CN" altLang="en-US">
               <a:solidFill>
@@ -6332,7 +6332,7 @@
                 </a:solidFill>
               </a:rPr>
               <a:pPr/>
-              <a:t>2018/7/17</a:t>
+              <a:t>2018/7/19</a:t>
             </a:fld>
             <a:endParaRPr lang="zh-CN" altLang="en-US">
               <a:solidFill>
@@ -6565,7 +6565,7 @@
                 </a:solidFill>
               </a:rPr>
               <a:pPr/>
-              <a:t>2018/7/17</a:t>
+              <a:t>2018/7/19</a:t>
             </a:fld>
             <a:endParaRPr lang="zh-CN" altLang="en-US">
               <a:solidFill>
@@ -6771,7 +6771,7 @@
                 </a:solidFill>
               </a:rPr>
               <a:pPr/>
-              <a:t>2018/7/17</a:t>
+              <a:t>2018/7/19</a:t>
             </a:fld>
             <a:endParaRPr lang="zh-CN" altLang="en-US">
               <a:solidFill>
@@ -7044,7 +7044,7 @@
                 </a:solidFill>
               </a:rPr>
               <a:pPr/>
-              <a:t>2018/7/17</a:t>
+              <a:t>2018/7/19</a:t>
             </a:fld>
             <a:endParaRPr lang="zh-CN" altLang="en-US">
               <a:solidFill>
@@ -7363,7 +7363,7 @@
               <a:pPr>
                 <a:defRPr/>
               </a:pPr>
-              <a:t>7/17/2018</a:t>
+              <a:t>7/19/2018</a:t>
             </a:fld>
             <a:endParaRPr lang="en-US" altLang="zh-CN"/>
           </a:p>
@@ -7630,7 +7630,7 @@
                 </a:solidFill>
               </a:rPr>
               <a:pPr/>
-              <a:t>2018/7/17</a:t>
+              <a:t>2018/7/19</a:t>
             </a:fld>
             <a:endParaRPr lang="zh-CN" altLang="en-US">
               <a:solidFill>
@@ -7792,7 +7792,7 @@
                 </a:solidFill>
               </a:rPr>
               <a:pPr/>
-              <a:t>2018/7/17</a:t>
+              <a:t>2018/7/19</a:t>
             </a:fld>
             <a:endParaRPr lang="zh-CN" altLang="en-US">
               <a:solidFill>
@@ -8079,7 +8079,7 @@
                 </a:solidFill>
               </a:rPr>
               <a:pPr/>
-              <a:t>2018/7/17</a:t>
+              <a:t>2018/7/19</a:t>
             </a:fld>
             <a:endParaRPr lang="zh-CN" altLang="en-US">
               <a:solidFill>
@@ -8435,7 +8435,7 @@
                 </a:solidFill>
               </a:rPr>
               <a:pPr/>
-              <a:t>2018/7/17</a:t>
+              <a:t>2018/7/19</a:t>
             </a:fld>
             <a:endParaRPr lang="zh-CN" altLang="en-US">
               <a:solidFill>
@@ -8728,7 +8728,7 @@
                 </a:solidFill>
               </a:rPr>
               <a:pPr/>
-              <a:t>2018/7/17</a:t>
+              <a:t>2018/7/19</a:t>
             </a:fld>
             <a:endParaRPr lang="zh-CN" altLang="en-US">
               <a:solidFill>
@@ -9002,7 +9002,7 @@
                   <a:spcPts val="0"/>
                 </a:spcAft>
               </a:pPr>
-              <a:t>2018/7/17</a:t>
+              <a:t>2018/7/19</a:t>
             </a:fld>
             <a:endParaRPr lang="zh-CN" altLang="en-US">
               <a:solidFill>
@@ -9591,7 +9591,7 @@
                   <a:spcPts val="0"/>
                 </a:spcAft>
               </a:pPr>
-              <a:t>2018/7/17</a:t>
+              <a:t>2018/7/19</a:t>
             </a:fld>
             <a:endParaRPr lang="zh-CN" altLang="en-US">
               <a:solidFill>
@@ -10190,7 +10190,7 @@
                   <a:spcPts val="0"/>
                 </a:spcAft>
               </a:pPr>
-              <a:t>2018/7/17</a:t>
+              <a:t>2018/7/19</a:t>
             </a:fld>
             <a:endParaRPr lang="zh-CN" altLang="en-US">
               <a:solidFill>
@@ -11510,18 +11510,62 @@
             <p:ph sz="quarter" idx="13"/>
           </p:nvPr>
         </p:nvSpPr>
-        <p:spPr/>
+        <p:spPr>
+          <a:xfrm>
+            <a:off x="-398" y="810268"/>
+            <a:ext cx="9144398" cy="6047732"/>
+          </a:xfrm>
+        </p:spPr>
         <p:txBody>
           <a:bodyPr/>
           <a:lstStyle/>
           <a:p>
             <a:r>
               <a:rPr lang="zh-CN" altLang="en-US" dirty="0" smtClean="0"/>
-              <a:t>按合约设计</a:t>
+              <a:t>按合约</a:t>
+            </a:r>
+            <a:r>
+              <a:rPr lang="zh-CN" altLang="en-US" dirty="0" smtClean="0"/>
+              <a:t>设计</a:t>
             </a:r>
             <a:endParaRPr lang="en-US" altLang="zh-CN" dirty="0" smtClean="0"/>
           </a:p>
           <a:p>
+            <a:r>
+              <a:rPr lang="zh-CN" altLang="en-US" dirty="0" smtClean="0"/>
+              <a:t>不要依靠巧合编程，要深入地了解每一行编写代码的含义与作用。</a:t>
+            </a:r>
+            <a:endParaRPr lang="en-US" altLang="zh-CN" dirty="0" smtClean="0"/>
+          </a:p>
+          <a:p>
+            <a:r>
+              <a:rPr lang="zh-CN" altLang="en-US" dirty="0"/>
+              <a:t>要</a:t>
+            </a:r>
+            <a:r>
+              <a:rPr lang="zh-CN" altLang="en-US" dirty="0" smtClean="0"/>
+              <a:t>定时审查一下代码，在必要时进行重构。如果出现问题后再进行重构，就可能付出昂贵的代价了。</a:t>
+            </a:r>
+            <a:endParaRPr lang="en-US" altLang="zh-CN" dirty="0" smtClean="0"/>
+          </a:p>
+          <a:p>
+            <a:r>
+              <a:rPr lang="zh-CN" altLang="en-US" dirty="0" smtClean="0"/>
+              <a:t>需要维护词汇表和错误码表，确保与客户的沟通上的一致性。</a:t>
+            </a:r>
+            <a:endParaRPr lang="en-US" altLang="zh-CN" dirty="0" smtClean="0"/>
+          </a:p>
+          <a:p>
+            <a:r>
+              <a:rPr lang="zh-CN" altLang="en-US" dirty="0" smtClean="0"/>
+              <a:t>开发的同时也要注意文档的编写还有注释，他可能会延长开发的周期，但是却会大大缩短之后维护代码的耗时</a:t>
+            </a:r>
+            <a:endParaRPr lang="en-US" altLang="zh-CN" dirty="0" smtClean="0"/>
+          </a:p>
+          <a:p>
+            <a:pPr marL="0" indent="0">
+              <a:buNone/>
+            </a:pPr>
             <a:endParaRPr lang="zh-CN" altLang="en-US" dirty="0"/>
           </a:p>
         </p:txBody>
@@ -11536,12 +11580,17 @@
             <p:ph type="title"/>
           </p:nvPr>
         </p:nvSpPr>
-        <p:spPr/>
+        <p:spPr>
+          <a:xfrm>
+            <a:off x="0" y="131237"/>
+            <a:ext cx="8673702" cy="576000"/>
+          </a:xfrm>
+        </p:spPr>
         <p:txBody>
           <a:bodyPr/>
           <a:lstStyle/>
           <a:p>
-            <a:endParaRPr lang="zh-CN" altLang="en-US"/>
+            <a:endParaRPr lang="zh-CN" altLang="en-US" dirty="0"/>
           </a:p>
         </p:txBody>
       </p:sp>
@@ -11585,11 +11634,80 @@
             <p:ph sz="quarter" idx="13"/>
           </p:nvPr>
         </p:nvSpPr>
-        <p:spPr/>
+        <p:spPr>
+          <a:xfrm>
+            <a:off x="0" y="811369"/>
+            <a:ext cx="9143999" cy="6046631"/>
+          </a:xfrm>
+        </p:spPr>
         <p:txBody>
           <a:bodyPr/>
           <a:lstStyle/>
           <a:p>
+            <a:r>
+              <a:rPr lang="en-US" altLang="zh-CN" dirty="0" smtClean="0"/>
+              <a:t>1.</a:t>
+            </a:r>
+            <a:r>
+              <a:rPr lang="zh-CN" altLang="en-US" dirty="0" smtClean="0"/>
+              <a:t>要建立好自己的知识体系，要与时并进，学习心得技术，并适当地运用到工作上，提高工作的效率。</a:t>
+            </a:r>
+            <a:endParaRPr lang="en-US" altLang="zh-CN" dirty="0" smtClean="0"/>
+          </a:p>
+          <a:p>
+            <a:r>
+              <a:rPr lang="en-US" altLang="zh-CN" dirty="0" smtClean="0"/>
+              <a:t>2.</a:t>
+            </a:r>
+            <a:r>
+              <a:rPr lang="zh-CN" altLang="en-US" dirty="0" smtClean="0"/>
+              <a:t>要学会交流，与上级交流，与团队交流，与客户交流。</a:t>
+            </a:r>
+            <a:endParaRPr lang="en-US" altLang="zh-CN" dirty="0" smtClean="0"/>
+          </a:p>
+          <a:p>
+            <a:r>
+              <a:rPr lang="en-US" altLang="zh-CN" dirty="0" smtClean="0"/>
+              <a:t>3.</a:t>
+            </a:r>
+            <a:r>
+              <a:rPr lang="zh-CN" altLang="en-US" dirty="0" smtClean="0"/>
+              <a:t>要学会分析代码是否需要重构，并且要对重构的风险与影响做好评估，编写好对应的测试案例与代码。</a:t>
+            </a:r>
+            <a:endParaRPr lang="en-US" altLang="zh-CN" dirty="0" smtClean="0"/>
+          </a:p>
+          <a:p>
+            <a:r>
+              <a:rPr lang="en-US" altLang="zh-CN" dirty="0" smtClean="0"/>
+              <a:t>4.</a:t>
+            </a:r>
+            <a:r>
+              <a:rPr lang="zh-CN" altLang="en-US" dirty="0" smtClean="0"/>
+              <a:t>要学会使用自动化测试。并且把每次修复好的</a:t>
+            </a:r>
+            <a:r>
+              <a:rPr lang="en-US" altLang="zh-CN" dirty="0" smtClean="0"/>
+              <a:t>bug</a:t>
+            </a:r>
+            <a:r>
+              <a:rPr lang="zh-CN" altLang="en-US" dirty="0" smtClean="0"/>
+              <a:t>都列入自动化测试中，避免</a:t>
+            </a:r>
+            <a:r>
+              <a:rPr lang="en-US" altLang="zh-CN" dirty="0" smtClean="0"/>
+              <a:t>bug</a:t>
+            </a:r>
+            <a:r>
+              <a:rPr lang="zh-CN" altLang="en-US" dirty="0" smtClean="0"/>
+              <a:t>修复好后又重新出现。</a:t>
+            </a:r>
+            <a:endParaRPr lang="en-US" altLang="zh-CN" dirty="0" smtClean="0"/>
+          </a:p>
+          <a:p>
+            <a:r>
+              <a:rPr lang="en-US" altLang="zh-CN" smtClean="0"/>
+              <a:t>5.</a:t>
+            </a:r>
             <a:endParaRPr lang="zh-CN" altLang="en-US" dirty="0"/>
           </a:p>
         </p:txBody>
@@ -11733,7 +11851,7 @@
         <p:spPr>
           <a:xfrm>
             <a:off x="0" y="873211"/>
-            <a:ext cx="9144000" cy="923330"/>
+            <a:ext cx="9144000" cy="4483279"/>
           </a:xfrm>
           <a:prstGeom prst="rect">
             <a:avLst/>
@@ -11746,30 +11864,147 @@
           </a:bodyPr>
           <a:lstStyle/>
           <a:p>
-            <a:r>
-              <a:rPr lang="en-US" altLang="zh-CN" dirty="0" smtClean="0"/>
+            <a:pPr marL="228600" indent="-228600" defTabSz="914400">
+              <a:lnSpc>
+                <a:spcPct val="90000"/>
+              </a:lnSpc>
+              <a:spcBef>
+                <a:spcPts val="1000"/>
+              </a:spcBef>
+              <a:buFont typeface="Wingdings" pitchFamily="2" charset="2"/>
+              <a:buChar char="l"/>
+            </a:pPr>
+            <a:r>
+              <a:rPr lang="en-US" altLang="zh-CN" sz="2800" b="1" dirty="0">
+                <a:latin typeface="微软雅黑" pitchFamily="34" charset="-122"/>
+                <a:ea typeface="微软雅黑" pitchFamily="34" charset="-122"/>
+              </a:rPr>
               <a:t>1.</a:t>
             </a:r>
             <a:r>
-              <a:rPr lang="zh-CN" altLang="en-US" dirty="0" smtClean="0"/>
-              <a:t>看到缺陷要及时处理，要在项目开始编写时就要注意好规范，不要想着先写能跑的代码，后期再优化</a:t>
-            </a:r>
-            <a:r>
-              <a:rPr lang="zh-CN" altLang="en-US" dirty="0" smtClean="0"/>
-              <a:t>。</a:t>
-            </a:r>
-            <a:endParaRPr lang="en-US" altLang="zh-CN" dirty="0"/>
-          </a:p>
-          <a:p>
-            <a:r>
-              <a:rPr lang="en-US" altLang="zh-CN" dirty="0" smtClean="0"/>
+              <a:rPr lang="zh-CN" altLang="en-US" sz="2800" b="1" dirty="0">
+                <a:latin typeface="微软雅黑" pitchFamily="34" charset="-122"/>
+                <a:ea typeface="微软雅黑" pitchFamily="34" charset="-122"/>
+              </a:rPr>
+              <a:t>看到缺陷要及时处理，要在项目开始编写时就要注意好规范，不要想着先写能跑的代码，后期再优化。</a:t>
+            </a:r>
+            <a:endParaRPr lang="en-US" altLang="zh-CN" sz="2800" b="1" dirty="0">
+              <a:latin typeface="微软雅黑" pitchFamily="34" charset="-122"/>
+              <a:ea typeface="微软雅黑" pitchFamily="34" charset="-122"/>
+            </a:endParaRPr>
+          </a:p>
+          <a:p>
+            <a:pPr marL="228600" indent="-228600" defTabSz="914400">
+              <a:lnSpc>
+                <a:spcPct val="90000"/>
+              </a:lnSpc>
+              <a:spcBef>
+                <a:spcPts val="1000"/>
+              </a:spcBef>
+              <a:buFont typeface="Wingdings" pitchFamily="2" charset="2"/>
+              <a:buChar char="l"/>
+            </a:pPr>
+            <a:r>
+              <a:rPr lang="en-US" altLang="zh-CN" sz="2800" b="1" dirty="0">
+                <a:latin typeface="微软雅黑" pitchFamily="34" charset="-122"/>
+                <a:ea typeface="微软雅黑" pitchFamily="34" charset="-122"/>
+              </a:rPr>
               <a:t>2.</a:t>
             </a:r>
             <a:r>
-              <a:rPr lang="zh-CN" altLang="en-US" smtClean="0"/>
+              <a:rPr lang="zh-CN" altLang="en-US" sz="2800" b="1" dirty="0">
+                <a:latin typeface="微软雅黑" pitchFamily="34" charset="-122"/>
+                <a:ea typeface="微软雅黑" pitchFamily="34" charset="-122"/>
+              </a:rPr>
               <a:t>需要学会让计划并发进行，解除时间的耦合，提高效率。</a:t>
             </a:r>
-            <a:endParaRPr lang="zh-CN" altLang="en-US" dirty="0"/>
+            <a:endParaRPr lang="en-US" altLang="zh-CN" sz="2800" b="1" dirty="0">
+              <a:latin typeface="微软雅黑" pitchFamily="34" charset="-122"/>
+              <a:ea typeface="微软雅黑" pitchFamily="34" charset="-122"/>
+            </a:endParaRPr>
+          </a:p>
+          <a:p>
+            <a:pPr marL="228600" indent="-228600" defTabSz="914400">
+              <a:lnSpc>
+                <a:spcPct val="90000"/>
+              </a:lnSpc>
+              <a:spcBef>
+                <a:spcPts val="1000"/>
+              </a:spcBef>
+              <a:buFont typeface="Wingdings" pitchFamily="2" charset="2"/>
+              <a:buChar char="l"/>
+            </a:pPr>
+            <a:r>
+              <a:rPr lang="en-US" altLang="zh-CN" sz="2800" b="1" dirty="0">
+                <a:latin typeface="微软雅黑" pitchFamily="34" charset="-122"/>
+                <a:ea typeface="微软雅黑" pitchFamily="34" charset="-122"/>
+              </a:rPr>
+              <a:t>3.</a:t>
+            </a:r>
+            <a:r>
+              <a:rPr lang="zh-CN" altLang="en-US" sz="2800" b="1" dirty="0">
+                <a:latin typeface="微软雅黑" pitchFamily="34" charset="-122"/>
+                <a:ea typeface="微软雅黑" pitchFamily="34" charset="-122"/>
+              </a:rPr>
+              <a:t>在编写代码是也要维护相关的文档，便于以后的维护或者查找问题所用。</a:t>
+            </a:r>
+            <a:endParaRPr lang="en-US" altLang="zh-CN" sz="2800" b="1" dirty="0">
+              <a:latin typeface="微软雅黑" pitchFamily="34" charset="-122"/>
+              <a:ea typeface="微软雅黑" pitchFamily="34" charset="-122"/>
+            </a:endParaRPr>
+          </a:p>
+          <a:p>
+            <a:pPr marL="228600" indent="-228600" defTabSz="914400">
+              <a:lnSpc>
+                <a:spcPct val="90000"/>
+              </a:lnSpc>
+              <a:spcBef>
+                <a:spcPts val="1000"/>
+              </a:spcBef>
+              <a:buFont typeface="Wingdings" pitchFamily="2" charset="2"/>
+              <a:buChar char="l"/>
+            </a:pPr>
+            <a:r>
+              <a:rPr lang="en-US" altLang="zh-CN" sz="2800" b="1" dirty="0">
+                <a:latin typeface="微软雅黑" pitchFamily="34" charset="-122"/>
+                <a:ea typeface="微软雅黑" pitchFamily="34" charset="-122"/>
+              </a:rPr>
+              <a:t>4</a:t>
+            </a:r>
+            <a:r>
+              <a:rPr lang="en-US" altLang="zh-CN" sz="2800" b="1" dirty="0" smtClean="0">
+                <a:latin typeface="微软雅黑" pitchFamily="34" charset="-122"/>
+                <a:ea typeface="微软雅黑" pitchFamily="34" charset="-122"/>
+              </a:rPr>
+              <a:t>.</a:t>
+            </a:r>
+            <a:r>
+              <a:rPr lang="zh-CN" altLang="en-US" sz="2800" b="1" dirty="0" smtClean="0">
+                <a:latin typeface="微软雅黑" pitchFamily="34" charset="-122"/>
+                <a:ea typeface="微软雅黑" pitchFamily="34" charset="-122"/>
+              </a:rPr>
+              <a:t>在编写代码时，每写完一个功能模块时，就应该要及时做好单元测试，不要让整个需求完成后再开始测试，这样排查问题可能要花费较多的时间。</a:t>
+            </a:r>
+            <a:endParaRPr lang="en-US" altLang="zh-CN" sz="2800" b="1" dirty="0" smtClean="0">
+              <a:latin typeface="微软雅黑" pitchFamily="34" charset="-122"/>
+              <a:ea typeface="微软雅黑" pitchFamily="34" charset="-122"/>
+            </a:endParaRPr>
+          </a:p>
+          <a:p>
+            <a:pPr marL="228600" indent="-228600" defTabSz="914400">
+              <a:lnSpc>
+                <a:spcPct val="90000"/>
+              </a:lnSpc>
+              <a:spcBef>
+                <a:spcPts val="1000"/>
+              </a:spcBef>
+              <a:buFont typeface="Wingdings" pitchFamily="2" charset="2"/>
+              <a:buChar char="l"/>
+            </a:pPr>
+            <a:endParaRPr lang="zh-CN" altLang="en-US" sz="2800" b="1" dirty="0">
+              <a:latin typeface="微软雅黑" pitchFamily="34" charset="-122"/>
+              <a:ea typeface="微软雅黑" pitchFamily="34" charset="-122"/>
+            </a:endParaRPr>
           </a:p>
         </p:txBody>
       </p:sp>
